--- a/Pizza Delivery App/Project/PPT/PPT (Pizza Delivey App).pptx
+++ b/Pizza Delivery App/Project/PPT/PPT (Pizza Delivey App).pptx
@@ -1,27 +1,27 @@
 
 <file path=ppt/presentation.xml><?xml version="1.0" encoding="utf-8"?>
-<p:presentation xmlns:a="http://schemas.openxmlformats.org/drawingml/2006/main" xmlns:r="http://schemas.openxmlformats.org/officeDocument/2006/relationships" xmlns:p="http://schemas.openxmlformats.org/presentationml/2006/main">
+<p:presentation xmlns:a="http://schemas.openxmlformats.org/drawingml/2006/main" xmlns:r="http://schemas.openxmlformats.org/officeDocument/2006/relationships" xmlns:p="http://schemas.openxmlformats.org/presentationml/2006/main" saveSubsetFonts="1">
   <p:sldMasterIdLst>
     <p:sldMasterId id="2147483648" r:id="rId1"/>
   </p:sldMasterIdLst>
   <p:sldIdLst>
-    <p:sldId id="256" r:id="rId3"/>
-    <p:sldId id="257" r:id="rId4"/>
-    <p:sldId id="258" r:id="rId5"/>
-    <p:sldId id="259" r:id="rId6"/>
-    <p:sldId id="260" r:id="rId7"/>
-    <p:sldId id="261" r:id="rId8"/>
-    <p:sldId id="262" r:id="rId9"/>
-    <p:sldId id="263" r:id="rId10"/>
-    <p:sldId id="264" r:id="rId11"/>
-    <p:sldId id="265" r:id="rId12"/>
-    <p:sldId id="266" r:id="rId13"/>
-    <p:sldId id="267" r:id="rId14"/>
-    <p:sldId id="268" r:id="rId15"/>
-    <p:sldId id="269" r:id="rId16"/>
-    <p:sldId id="270" r:id="rId17"/>
-    <p:sldId id="271" r:id="rId18"/>
-    <p:sldId id="272" r:id="rId19"/>
+    <p:sldId id="256" r:id="rId2"/>
+    <p:sldId id="257" r:id="rId3"/>
+    <p:sldId id="258" r:id="rId4"/>
+    <p:sldId id="259" r:id="rId5"/>
+    <p:sldId id="260" r:id="rId6"/>
+    <p:sldId id="261" r:id="rId7"/>
+    <p:sldId id="262" r:id="rId8"/>
+    <p:sldId id="263" r:id="rId9"/>
+    <p:sldId id="264" r:id="rId10"/>
+    <p:sldId id="265" r:id="rId11"/>
+    <p:sldId id="266" r:id="rId12"/>
+    <p:sldId id="267" r:id="rId13"/>
+    <p:sldId id="268" r:id="rId14"/>
+    <p:sldId id="269" r:id="rId15"/>
+    <p:sldId id="270" r:id="rId16"/>
+    <p:sldId id="271" r:id="rId17"/>
+    <p:sldId id="272" r:id="rId18"/>
   </p:sldIdLst>
   <p:sldSz cx="12192000" cy="6858000"/>
   <p:notesSz cx="6858000" cy="9144000"/>
@@ -142,7 +142,13 @@
       </p:grpSpPr>
       <p:sp>
         <p:nvSpPr>
-          <p:cNvPr id="2" name="Title 1"/>
+          <p:cNvPr id="2" name="Title 1">
+            <a:extLst>
+              <a:ext uri="{FF2B5EF4-FFF2-40B4-BE49-F238E27FC236}">
+                <a16:creationId xmlns:a16="http://schemas.microsoft.com/office/drawing/2014/main" id="{DB89B567-0FFF-024A-9D8D-3916AA59B698}"/>
+              </a:ext>
+            </a:extLst>
+          </p:cNvPr>
           <p:cNvSpPr>
             <a:spLocks noGrp="1"/>
           </p:cNvSpPr>
@@ -168,13 +174,18 @@
               <a:rPr lang="en-US"/>
               <a:t>Click to edit Master title style</a:t>
             </a:r>
-            <a:endParaRPr lang="en-US"/>
-          </a:p>
-        </p:txBody>
-      </p:sp>
-      <p:sp>
-        <p:nvSpPr>
-          <p:cNvPr id="3" name="Subtitle 2"/>
+          </a:p>
+        </p:txBody>
+      </p:sp>
+      <p:sp>
+        <p:nvSpPr>
+          <p:cNvPr id="3" name="Subtitle 2">
+            <a:extLst>
+              <a:ext uri="{FF2B5EF4-FFF2-40B4-BE49-F238E27FC236}">
+                <a16:creationId xmlns:a16="http://schemas.microsoft.com/office/drawing/2014/main" id="{7F6BD288-118A-0E44-BE39-6390BF40BCB4}"/>
+              </a:ext>
+            </a:extLst>
+          </p:cNvPr>
           <p:cNvSpPr>
             <a:spLocks noGrp="1"/>
           </p:cNvSpPr>
@@ -233,13 +244,18 @@
               <a:rPr lang="en-US"/>
               <a:t>Click to edit Master subtitle style</a:t>
             </a:r>
-            <a:endParaRPr lang="en-US"/>
-          </a:p>
-        </p:txBody>
-      </p:sp>
-      <p:sp>
-        <p:nvSpPr>
-          <p:cNvPr id="4" name="Date Placeholder 3"/>
+          </a:p>
+        </p:txBody>
+      </p:sp>
+      <p:sp>
+        <p:nvSpPr>
+          <p:cNvPr id="4" name="Date Placeholder 3">
+            <a:extLst>
+              <a:ext uri="{FF2B5EF4-FFF2-40B4-BE49-F238E27FC236}">
+                <a16:creationId xmlns:a16="http://schemas.microsoft.com/office/drawing/2014/main" id="{EB356D30-4E40-5B41-B071-AD68FB04D833}"/>
+              </a:ext>
+            </a:extLst>
+          </p:cNvPr>
           <p:cNvSpPr>
             <a:spLocks noGrp="1"/>
           </p:cNvSpPr>
@@ -254,6 +270,7 @@
           <a:p>
             <a:fld id="{D16E4C0B-5100-894B-A9CD-79332A81BBFA}" type="datetimeFigureOut">
               <a:rPr lang="en-US"/>
+              <a:t>10/30/2023</a:t>
             </a:fld>
             <a:endParaRPr lang="en-US"/>
           </a:p>
@@ -261,7 +278,13 @@
       </p:sp>
       <p:sp>
         <p:nvSpPr>
-          <p:cNvPr id="5" name="Footer Placeholder 4"/>
+          <p:cNvPr id="5" name="Footer Placeholder 4">
+            <a:extLst>
+              <a:ext uri="{FF2B5EF4-FFF2-40B4-BE49-F238E27FC236}">
+                <a16:creationId xmlns:a16="http://schemas.microsoft.com/office/drawing/2014/main" id="{38A9CDC7-10BD-C94D-8DAA-9D4275C35E49}"/>
+              </a:ext>
+            </a:extLst>
+          </p:cNvPr>
           <p:cNvSpPr>
             <a:spLocks noGrp="1"/>
           </p:cNvSpPr>
@@ -280,7 +303,13 @@
       </p:sp>
       <p:sp>
         <p:nvSpPr>
-          <p:cNvPr id="6" name="Slide Number Placeholder 5"/>
+          <p:cNvPr id="6" name="Slide Number Placeholder 5">
+            <a:extLst>
+              <a:ext uri="{FF2B5EF4-FFF2-40B4-BE49-F238E27FC236}">
+                <a16:creationId xmlns:a16="http://schemas.microsoft.com/office/drawing/2014/main" id="{4C3FE650-0AB8-0A40-9E87-5B3C86F1AE4E}"/>
+              </a:ext>
+            </a:extLst>
+          </p:cNvPr>
           <p:cNvSpPr>
             <a:spLocks noGrp="1"/>
           </p:cNvSpPr>
@@ -295,12 +324,18 @@
           <a:p>
             <a:fld id="{1BF884D7-A529-1C43-9A5B-D20595E3D6E4}" type="slidenum">
               <a:rPr lang="en-US"/>
+              <a:t>‹#›</a:t>
             </a:fld>
             <a:endParaRPr lang="en-US"/>
           </a:p>
         </p:txBody>
       </p:sp>
     </p:spTree>
+    <p:extLst>
+      <p:ext uri="{BB962C8B-B14F-4D97-AF65-F5344CB8AC3E}">
+        <p14:creationId xmlns:p14="http://schemas.microsoft.com/office/powerpoint/2010/main" val="2467106572"/>
+      </p:ext>
+    </p:extLst>
   </p:cSld>
   <p:clrMapOvr>
     <a:masterClrMapping/>
@@ -327,7 +362,13 @@
       </p:grpSpPr>
       <p:sp>
         <p:nvSpPr>
-          <p:cNvPr id="2" name="Title 1"/>
+          <p:cNvPr id="2" name="Title 1">
+            <a:extLst>
+              <a:ext uri="{FF2B5EF4-FFF2-40B4-BE49-F238E27FC236}">
+                <a16:creationId xmlns:a16="http://schemas.microsoft.com/office/drawing/2014/main" id="{08F86093-74BB-2F42-8D58-0002EAD236B3}"/>
+              </a:ext>
+            </a:extLst>
+          </p:cNvPr>
           <p:cNvSpPr>
             <a:spLocks noGrp="1"/>
           </p:cNvSpPr>
@@ -344,13 +385,18 @@
               <a:rPr lang="en-US"/>
               <a:t>Click to edit Master title style</a:t>
             </a:r>
-            <a:endParaRPr lang="en-US"/>
-          </a:p>
-        </p:txBody>
-      </p:sp>
-      <p:sp>
-        <p:nvSpPr>
-          <p:cNvPr id="3" name="Vertical Text Placeholder 2"/>
+          </a:p>
+        </p:txBody>
+      </p:sp>
+      <p:sp>
+        <p:nvSpPr>
+          <p:cNvPr id="3" name="Vertical Text Placeholder 2">
+            <a:extLst>
+              <a:ext uri="{FF2B5EF4-FFF2-40B4-BE49-F238E27FC236}">
+                <a16:creationId xmlns:a16="http://schemas.microsoft.com/office/drawing/2014/main" id="{E03DD14A-670E-C340-AB93-F9639EFDCF07}"/>
+              </a:ext>
+            </a:extLst>
+          </p:cNvPr>
           <p:cNvSpPr>
             <a:spLocks noGrp="1"/>
           </p:cNvSpPr>
@@ -368,7 +414,6 @@
               <a:rPr lang="en-US"/>
               <a:t>Click to edit Master text styles</a:t>
             </a:r>
-            <a:endParaRPr lang="en-US"/>
           </a:p>
           <a:p>
             <a:pPr lvl="1"/>
@@ -376,7 +421,6 @@
               <a:rPr lang="en-US"/>
               <a:t>Second level</a:t>
             </a:r>
-            <a:endParaRPr lang="en-US"/>
           </a:p>
           <a:p>
             <a:pPr lvl="2"/>
@@ -384,7 +428,6 @@
               <a:rPr lang="en-US"/>
               <a:t>Third level</a:t>
             </a:r>
-            <a:endParaRPr lang="en-US"/>
           </a:p>
           <a:p>
             <a:pPr lvl="3"/>
@@ -392,7 +435,6 @@
               <a:rPr lang="en-US"/>
               <a:t>Fourth level</a:t>
             </a:r>
-            <a:endParaRPr lang="en-US"/>
           </a:p>
           <a:p>
             <a:pPr lvl="4"/>
@@ -400,13 +442,18 @@
               <a:rPr lang="en-US"/>
               <a:t>Fifth level</a:t>
             </a:r>
-            <a:endParaRPr lang="en-US"/>
-          </a:p>
-        </p:txBody>
-      </p:sp>
-      <p:sp>
-        <p:nvSpPr>
-          <p:cNvPr id="4" name="Date Placeholder 3"/>
+          </a:p>
+        </p:txBody>
+      </p:sp>
+      <p:sp>
+        <p:nvSpPr>
+          <p:cNvPr id="4" name="Date Placeholder 3">
+            <a:extLst>
+              <a:ext uri="{FF2B5EF4-FFF2-40B4-BE49-F238E27FC236}">
+                <a16:creationId xmlns:a16="http://schemas.microsoft.com/office/drawing/2014/main" id="{76CB260E-76F6-D94E-A467-055C31B8AD9B}"/>
+              </a:ext>
+            </a:extLst>
+          </p:cNvPr>
           <p:cNvSpPr>
             <a:spLocks noGrp="1"/>
           </p:cNvSpPr>
@@ -421,6 +468,7 @@
           <a:p>
             <a:fld id="{D16E4C0B-5100-894B-A9CD-79332A81BBFA}" type="datetimeFigureOut">
               <a:rPr lang="en-US"/>
+              <a:t>10/30/2023</a:t>
             </a:fld>
             <a:endParaRPr lang="en-US"/>
           </a:p>
@@ -428,7 +476,13 @@
       </p:sp>
       <p:sp>
         <p:nvSpPr>
-          <p:cNvPr id="5" name="Footer Placeholder 4"/>
+          <p:cNvPr id="5" name="Footer Placeholder 4">
+            <a:extLst>
+              <a:ext uri="{FF2B5EF4-FFF2-40B4-BE49-F238E27FC236}">
+                <a16:creationId xmlns:a16="http://schemas.microsoft.com/office/drawing/2014/main" id="{0C88AFA8-E9E0-C440-82B0-913E0FD6E874}"/>
+              </a:ext>
+            </a:extLst>
+          </p:cNvPr>
           <p:cNvSpPr>
             <a:spLocks noGrp="1"/>
           </p:cNvSpPr>
@@ -447,7 +501,13 @@
       </p:sp>
       <p:sp>
         <p:nvSpPr>
-          <p:cNvPr id="6" name="Slide Number Placeholder 5"/>
+          <p:cNvPr id="6" name="Slide Number Placeholder 5">
+            <a:extLst>
+              <a:ext uri="{FF2B5EF4-FFF2-40B4-BE49-F238E27FC236}">
+                <a16:creationId xmlns:a16="http://schemas.microsoft.com/office/drawing/2014/main" id="{49981026-2E90-1549-89DB-8C1B345C2AFC}"/>
+              </a:ext>
+            </a:extLst>
+          </p:cNvPr>
           <p:cNvSpPr>
             <a:spLocks noGrp="1"/>
           </p:cNvSpPr>
@@ -462,12 +522,18 @@
           <a:p>
             <a:fld id="{1BF884D7-A529-1C43-9A5B-D20595E3D6E4}" type="slidenum">
               <a:rPr lang="en-US"/>
+              <a:t>‹#›</a:t>
             </a:fld>
             <a:endParaRPr lang="en-US"/>
           </a:p>
         </p:txBody>
       </p:sp>
     </p:spTree>
+    <p:extLst>
+      <p:ext uri="{BB962C8B-B14F-4D97-AF65-F5344CB8AC3E}">
+        <p14:creationId xmlns:p14="http://schemas.microsoft.com/office/powerpoint/2010/main" val="2474710289"/>
+      </p:ext>
+    </p:extLst>
   </p:cSld>
   <p:clrMapOvr>
     <a:masterClrMapping/>
@@ -494,7 +560,13 @@
       </p:grpSpPr>
       <p:sp>
         <p:nvSpPr>
-          <p:cNvPr id="2" name="Vertical Title 1"/>
+          <p:cNvPr id="2" name="Vertical Title 1">
+            <a:extLst>
+              <a:ext uri="{FF2B5EF4-FFF2-40B4-BE49-F238E27FC236}">
+                <a16:creationId xmlns:a16="http://schemas.microsoft.com/office/drawing/2014/main" id="{C23C7F39-AC87-614B-8EAC-96F03DD63391}"/>
+              </a:ext>
+            </a:extLst>
+          </p:cNvPr>
           <p:cNvSpPr>
             <a:spLocks noGrp="1"/>
           </p:cNvSpPr>
@@ -516,13 +588,18 @@
               <a:rPr lang="en-US"/>
               <a:t>Click to edit Master title style</a:t>
             </a:r>
-            <a:endParaRPr lang="en-US"/>
-          </a:p>
-        </p:txBody>
-      </p:sp>
-      <p:sp>
-        <p:nvSpPr>
-          <p:cNvPr id="3" name="Vertical Text Placeholder 2"/>
+          </a:p>
+        </p:txBody>
+      </p:sp>
+      <p:sp>
+        <p:nvSpPr>
+          <p:cNvPr id="3" name="Vertical Text Placeholder 2">
+            <a:extLst>
+              <a:ext uri="{FF2B5EF4-FFF2-40B4-BE49-F238E27FC236}">
+                <a16:creationId xmlns:a16="http://schemas.microsoft.com/office/drawing/2014/main" id="{22F9BB69-A8A0-8845-A9B1-46D0963C02E1}"/>
+              </a:ext>
+            </a:extLst>
+          </p:cNvPr>
           <p:cNvSpPr>
             <a:spLocks noGrp="1"/>
           </p:cNvSpPr>
@@ -545,7 +622,6 @@
               <a:rPr lang="en-US"/>
               <a:t>Click to edit Master text styles</a:t>
             </a:r>
-            <a:endParaRPr lang="en-US"/>
           </a:p>
           <a:p>
             <a:pPr lvl="1"/>
@@ -553,7 +629,6 @@
               <a:rPr lang="en-US"/>
               <a:t>Second level</a:t>
             </a:r>
-            <a:endParaRPr lang="en-US"/>
           </a:p>
           <a:p>
             <a:pPr lvl="2"/>
@@ -561,7 +636,6 @@
               <a:rPr lang="en-US"/>
               <a:t>Third level</a:t>
             </a:r>
-            <a:endParaRPr lang="en-US"/>
           </a:p>
           <a:p>
             <a:pPr lvl="3"/>
@@ -569,7 +643,6 @@
               <a:rPr lang="en-US"/>
               <a:t>Fourth level</a:t>
             </a:r>
-            <a:endParaRPr lang="en-US"/>
           </a:p>
           <a:p>
             <a:pPr lvl="4"/>
@@ -577,13 +650,18 @@
               <a:rPr lang="en-US"/>
               <a:t>Fifth level</a:t>
             </a:r>
-            <a:endParaRPr lang="en-US"/>
-          </a:p>
-        </p:txBody>
-      </p:sp>
-      <p:sp>
-        <p:nvSpPr>
-          <p:cNvPr id="4" name="Date Placeholder 3"/>
+          </a:p>
+        </p:txBody>
+      </p:sp>
+      <p:sp>
+        <p:nvSpPr>
+          <p:cNvPr id="4" name="Date Placeholder 3">
+            <a:extLst>
+              <a:ext uri="{FF2B5EF4-FFF2-40B4-BE49-F238E27FC236}">
+                <a16:creationId xmlns:a16="http://schemas.microsoft.com/office/drawing/2014/main" id="{2ADA5FEA-F6D0-C344-A47E-0FE49B049841}"/>
+              </a:ext>
+            </a:extLst>
+          </p:cNvPr>
           <p:cNvSpPr>
             <a:spLocks noGrp="1"/>
           </p:cNvSpPr>
@@ -598,6 +676,7 @@
           <a:p>
             <a:fld id="{D16E4C0B-5100-894B-A9CD-79332A81BBFA}" type="datetimeFigureOut">
               <a:rPr lang="en-US"/>
+              <a:t>10/30/2023</a:t>
             </a:fld>
             <a:endParaRPr lang="en-US"/>
           </a:p>
@@ -605,7 +684,13 @@
       </p:sp>
       <p:sp>
         <p:nvSpPr>
-          <p:cNvPr id="5" name="Footer Placeholder 4"/>
+          <p:cNvPr id="5" name="Footer Placeholder 4">
+            <a:extLst>
+              <a:ext uri="{FF2B5EF4-FFF2-40B4-BE49-F238E27FC236}">
+                <a16:creationId xmlns:a16="http://schemas.microsoft.com/office/drawing/2014/main" id="{A82ED8DF-57FD-724E-AFFC-5BE2AB4473A1}"/>
+              </a:ext>
+            </a:extLst>
+          </p:cNvPr>
           <p:cNvSpPr>
             <a:spLocks noGrp="1"/>
           </p:cNvSpPr>
@@ -624,7 +709,13 @@
       </p:sp>
       <p:sp>
         <p:nvSpPr>
-          <p:cNvPr id="6" name="Slide Number Placeholder 5"/>
+          <p:cNvPr id="6" name="Slide Number Placeholder 5">
+            <a:extLst>
+              <a:ext uri="{FF2B5EF4-FFF2-40B4-BE49-F238E27FC236}">
+                <a16:creationId xmlns:a16="http://schemas.microsoft.com/office/drawing/2014/main" id="{1AD63678-AEAC-E048-A41A-1D21DCF37438}"/>
+              </a:ext>
+            </a:extLst>
+          </p:cNvPr>
           <p:cNvSpPr>
             <a:spLocks noGrp="1"/>
           </p:cNvSpPr>
@@ -639,12 +730,18 @@
           <a:p>
             <a:fld id="{1BF884D7-A529-1C43-9A5B-D20595E3D6E4}" type="slidenum">
               <a:rPr lang="en-US"/>
+              <a:t>‹#›</a:t>
             </a:fld>
             <a:endParaRPr lang="en-US"/>
           </a:p>
         </p:txBody>
       </p:sp>
     </p:spTree>
+    <p:extLst>
+      <p:ext uri="{BB962C8B-B14F-4D97-AF65-F5344CB8AC3E}">
+        <p14:creationId xmlns:p14="http://schemas.microsoft.com/office/powerpoint/2010/main" val="742835541"/>
+      </p:ext>
+    </p:extLst>
   </p:cSld>
   <p:clrMapOvr>
     <a:masterClrMapping/>
@@ -671,7 +768,13 @@
       </p:grpSpPr>
       <p:sp>
         <p:nvSpPr>
-          <p:cNvPr id="2" name="Title 1"/>
+          <p:cNvPr id="2" name="Title 1">
+            <a:extLst>
+              <a:ext uri="{FF2B5EF4-FFF2-40B4-BE49-F238E27FC236}">
+                <a16:creationId xmlns:a16="http://schemas.microsoft.com/office/drawing/2014/main" id="{EAA745AF-EC92-3D4A-B96B-51D8548AEC04}"/>
+              </a:ext>
+            </a:extLst>
+          </p:cNvPr>
           <p:cNvSpPr>
             <a:spLocks noGrp="1"/>
           </p:cNvSpPr>
@@ -688,13 +791,18 @@
               <a:rPr lang="en-US"/>
               <a:t>Click to edit Master title style</a:t>
             </a:r>
-            <a:endParaRPr lang="en-US"/>
-          </a:p>
-        </p:txBody>
-      </p:sp>
-      <p:sp>
-        <p:nvSpPr>
-          <p:cNvPr id="3" name="Content Placeholder 2"/>
+          </a:p>
+        </p:txBody>
+      </p:sp>
+      <p:sp>
+        <p:nvSpPr>
+          <p:cNvPr id="3" name="Content Placeholder 2">
+            <a:extLst>
+              <a:ext uri="{FF2B5EF4-FFF2-40B4-BE49-F238E27FC236}">
+                <a16:creationId xmlns:a16="http://schemas.microsoft.com/office/drawing/2014/main" id="{D9CE4862-18D4-BA4B-8476-B22D623FD542}"/>
+              </a:ext>
+            </a:extLst>
+          </p:cNvPr>
           <p:cNvSpPr>
             <a:spLocks noGrp="1"/>
           </p:cNvSpPr>
@@ -712,7 +820,6 @@
               <a:rPr lang="en-US"/>
               <a:t>Click to edit Master text styles</a:t>
             </a:r>
-            <a:endParaRPr lang="en-US"/>
           </a:p>
           <a:p>
             <a:pPr lvl="1"/>
@@ -720,7 +827,6 @@
               <a:rPr lang="en-US"/>
               <a:t>Second level</a:t>
             </a:r>
-            <a:endParaRPr lang="en-US"/>
           </a:p>
           <a:p>
             <a:pPr lvl="2"/>
@@ -728,7 +834,6 @@
               <a:rPr lang="en-US"/>
               <a:t>Third level</a:t>
             </a:r>
-            <a:endParaRPr lang="en-US"/>
           </a:p>
           <a:p>
             <a:pPr lvl="3"/>
@@ -736,7 +841,6 @@
               <a:rPr lang="en-US"/>
               <a:t>Fourth level</a:t>
             </a:r>
-            <a:endParaRPr lang="en-US"/>
           </a:p>
           <a:p>
             <a:pPr lvl="4"/>
@@ -744,13 +848,18 @@
               <a:rPr lang="en-US"/>
               <a:t>Fifth level</a:t>
             </a:r>
-            <a:endParaRPr lang="en-US"/>
-          </a:p>
-        </p:txBody>
-      </p:sp>
-      <p:sp>
-        <p:nvSpPr>
-          <p:cNvPr id="4" name="Date Placeholder 3"/>
+          </a:p>
+        </p:txBody>
+      </p:sp>
+      <p:sp>
+        <p:nvSpPr>
+          <p:cNvPr id="4" name="Date Placeholder 3">
+            <a:extLst>
+              <a:ext uri="{FF2B5EF4-FFF2-40B4-BE49-F238E27FC236}">
+                <a16:creationId xmlns:a16="http://schemas.microsoft.com/office/drawing/2014/main" id="{CF883BFC-654F-B447-96DF-B246B08A7BA6}"/>
+              </a:ext>
+            </a:extLst>
+          </p:cNvPr>
           <p:cNvSpPr>
             <a:spLocks noGrp="1"/>
           </p:cNvSpPr>
@@ -765,6 +874,7 @@
           <a:p>
             <a:fld id="{D16E4C0B-5100-894B-A9CD-79332A81BBFA}" type="datetimeFigureOut">
               <a:rPr lang="en-US"/>
+              <a:t>10/30/2023</a:t>
             </a:fld>
             <a:endParaRPr lang="en-US"/>
           </a:p>
@@ -772,7 +882,13 @@
       </p:sp>
       <p:sp>
         <p:nvSpPr>
-          <p:cNvPr id="5" name="Footer Placeholder 4"/>
+          <p:cNvPr id="5" name="Footer Placeholder 4">
+            <a:extLst>
+              <a:ext uri="{FF2B5EF4-FFF2-40B4-BE49-F238E27FC236}">
+                <a16:creationId xmlns:a16="http://schemas.microsoft.com/office/drawing/2014/main" id="{3F5779C8-74C5-7F45-B5F5-238C9B35F3F0}"/>
+              </a:ext>
+            </a:extLst>
+          </p:cNvPr>
           <p:cNvSpPr>
             <a:spLocks noGrp="1"/>
           </p:cNvSpPr>
@@ -791,7 +907,13 @@
       </p:sp>
       <p:sp>
         <p:nvSpPr>
-          <p:cNvPr id="6" name="Slide Number Placeholder 5"/>
+          <p:cNvPr id="6" name="Slide Number Placeholder 5">
+            <a:extLst>
+              <a:ext uri="{FF2B5EF4-FFF2-40B4-BE49-F238E27FC236}">
+                <a16:creationId xmlns:a16="http://schemas.microsoft.com/office/drawing/2014/main" id="{41D8D3DD-269A-8841-BEBE-9C979F8D0F57}"/>
+              </a:ext>
+            </a:extLst>
+          </p:cNvPr>
           <p:cNvSpPr>
             <a:spLocks noGrp="1"/>
           </p:cNvSpPr>
@@ -806,12 +928,18 @@
           <a:p>
             <a:fld id="{1BF884D7-A529-1C43-9A5B-D20595E3D6E4}" type="slidenum">
               <a:rPr lang="en-US"/>
+              <a:t>‹#›</a:t>
             </a:fld>
             <a:endParaRPr lang="en-US"/>
           </a:p>
         </p:txBody>
       </p:sp>
     </p:spTree>
+    <p:extLst>
+      <p:ext uri="{BB962C8B-B14F-4D97-AF65-F5344CB8AC3E}">
+        <p14:creationId xmlns:p14="http://schemas.microsoft.com/office/powerpoint/2010/main" val="3506463265"/>
+      </p:ext>
+    </p:extLst>
   </p:cSld>
   <p:clrMapOvr>
     <a:masterClrMapping/>
@@ -838,7 +966,13 @@
       </p:grpSpPr>
       <p:sp>
         <p:nvSpPr>
-          <p:cNvPr id="2" name="Title 1"/>
+          <p:cNvPr id="2" name="Title 1">
+            <a:extLst>
+              <a:ext uri="{FF2B5EF4-FFF2-40B4-BE49-F238E27FC236}">
+                <a16:creationId xmlns:a16="http://schemas.microsoft.com/office/drawing/2014/main" id="{67D84045-E719-AE47-8CD6-6EA9D7DA3311}"/>
+              </a:ext>
+            </a:extLst>
+          </p:cNvPr>
           <p:cNvSpPr>
             <a:spLocks noGrp="1"/>
           </p:cNvSpPr>
@@ -864,13 +998,18 @@
               <a:rPr lang="en-US"/>
               <a:t>Click to edit Master title style</a:t>
             </a:r>
-            <a:endParaRPr lang="en-US"/>
-          </a:p>
-        </p:txBody>
-      </p:sp>
-      <p:sp>
-        <p:nvSpPr>
-          <p:cNvPr id="3" name="Text Placeholder 2"/>
+          </a:p>
+        </p:txBody>
+      </p:sp>
+      <p:sp>
+        <p:nvSpPr>
+          <p:cNvPr id="3" name="Text Placeholder 2">
+            <a:extLst>
+              <a:ext uri="{FF2B5EF4-FFF2-40B4-BE49-F238E27FC236}">
+                <a16:creationId xmlns:a16="http://schemas.microsoft.com/office/drawing/2014/main" id="{E1813CB6-1A76-1D41-9E11-C6F6EC9BB909}"/>
+              </a:ext>
+            </a:extLst>
+          </p:cNvPr>
           <p:cNvSpPr>
             <a:spLocks noGrp="1"/>
           </p:cNvSpPr>
@@ -984,13 +1123,18 @@
               <a:rPr lang="en-US"/>
               <a:t>Click to edit Master text styles</a:t>
             </a:r>
-            <a:endParaRPr lang="en-US"/>
-          </a:p>
-        </p:txBody>
-      </p:sp>
-      <p:sp>
-        <p:nvSpPr>
-          <p:cNvPr id="4" name="Date Placeholder 3"/>
+          </a:p>
+        </p:txBody>
+      </p:sp>
+      <p:sp>
+        <p:nvSpPr>
+          <p:cNvPr id="4" name="Date Placeholder 3">
+            <a:extLst>
+              <a:ext uri="{FF2B5EF4-FFF2-40B4-BE49-F238E27FC236}">
+                <a16:creationId xmlns:a16="http://schemas.microsoft.com/office/drawing/2014/main" id="{5C2F249B-7E0D-234E-B8D7-7F6AB3565133}"/>
+              </a:ext>
+            </a:extLst>
+          </p:cNvPr>
           <p:cNvSpPr>
             <a:spLocks noGrp="1"/>
           </p:cNvSpPr>
@@ -1005,6 +1149,7 @@
           <a:p>
             <a:fld id="{D16E4C0B-5100-894B-A9CD-79332A81BBFA}" type="datetimeFigureOut">
               <a:rPr lang="en-US"/>
+              <a:t>10/30/2023</a:t>
             </a:fld>
             <a:endParaRPr lang="en-US"/>
           </a:p>
@@ -1012,7 +1157,13 @@
       </p:sp>
       <p:sp>
         <p:nvSpPr>
-          <p:cNvPr id="5" name="Footer Placeholder 4"/>
+          <p:cNvPr id="5" name="Footer Placeholder 4">
+            <a:extLst>
+              <a:ext uri="{FF2B5EF4-FFF2-40B4-BE49-F238E27FC236}">
+                <a16:creationId xmlns:a16="http://schemas.microsoft.com/office/drawing/2014/main" id="{57CB8E9A-0353-C04A-B718-09FD672C29DB}"/>
+              </a:ext>
+            </a:extLst>
+          </p:cNvPr>
           <p:cNvSpPr>
             <a:spLocks noGrp="1"/>
           </p:cNvSpPr>
@@ -1031,7 +1182,13 @@
       </p:sp>
       <p:sp>
         <p:nvSpPr>
-          <p:cNvPr id="6" name="Slide Number Placeholder 5"/>
+          <p:cNvPr id="6" name="Slide Number Placeholder 5">
+            <a:extLst>
+              <a:ext uri="{FF2B5EF4-FFF2-40B4-BE49-F238E27FC236}">
+                <a16:creationId xmlns:a16="http://schemas.microsoft.com/office/drawing/2014/main" id="{21A70131-D069-2F4C-9281-A51B0ED1695C}"/>
+              </a:ext>
+            </a:extLst>
+          </p:cNvPr>
           <p:cNvSpPr>
             <a:spLocks noGrp="1"/>
           </p:cNvSpPr>
@@ -1046,12 +1203,18 @@
           <a:p>
             <a:fld id="{1BF884D7-A529-1C43-9A5B-D20595E3D6E4}" type="slidenum">
               <a:rPr lang="en-US"/>
+              <a:t>‹#›</a:t>
             </a:fld>
             <a:endParaRPr lang="en-US"/>
           </a:p>
         </p:txBody>
       </p:sp>
     </p:spTree>
+    <p:extLst>
+      <p:ext uri="{BB962C8B-B14F-4D97-AF65-F5344CB8AC3E}">
+        <p14:creationId xmlns:p14="http://schemas.microsoft.com/office/powerpoint/2010/main" val="3231400585"/>
+      </p:ext>
+    </p:extLst>
   </p:cSld>
   <p:clrMapOvr>
     <a:masterClrMapping/>
@@ -1078,7 +1241,13 @@
       </p:grpSpPr>
       <p:sp>
         <p:nvSpPr>
-          <p:cNvPr id="2" name="Title 1"/>
+          <p:cNvPr id="2" name="Title 1">
+            <a:extLst>
+              <a:ext uri="{FF2B5EF4-FFF2-40B4-BE49-F238E27FC236}">
+                <a16:creationId xmlns:a16="http://schemas.microsoft.com/office/drawing/2014/main" id="{EDAAF4E1-A0AF-C14C-8972-52B383CA4C48}"/>
+              </a:ext>
+            </a:extLst>
+          </p:cNvPr>
           <p:cNvSpPr>
             <a:spLocks noGrp="1"/>
           </p:cNvSpPr>
@@ -1095,13 +1264,18 @@
               <a:rPr lang="en-US"/>
               <a:t>Click to edit Master title style</a:t>
             </a:r>
-            <a:endParaRPr lang="en-US"/>
-          </a:p>
-        </p:txBody>
-      </p:sp>
-      <p:sp>
-        <p:nvSpPr>
-          <p:cNvPr id="3" name="Content Placeholder 2"/>
+          </a:p>
+        </p:txBody>
+      </p:sp>
+      <p:sp>
+        <p:nvSpPr>
+          <p:cNvPr id="3" name="Content Placeholder 2">
+            <a:extLst>
+              <a:ext uri="{FF2B5EF4-FFF2-40B4-BE49-F238E27FC236}">
+                <a16:creationId xmlns:a16="http://schemas.microsoft.com/office/drawing/2014/main" id="{B59A8B73-754D-C944-A4B9-3AB388F913C5}"/>
+              </a:ext>
+            </a:extLst>
+          </p:cNvPr>
           <p:cNvSpPr>
             <a:spLocks noGrp="1"/>
           </p:cNvSpPr>
@@ -1124,7 +1298,6 @@
               <a:rPr lang="en-US"/>
               <a:t>Click to edit Master text styles</a:t>
             </a:r>
-            <a:endParaRPr lang="en-US"/>
           </a:p>
           <a:p>
             <a:pPr lvl="1"/>
@@ -1132,7 +1305,6 @@
               <a:rPr lang="en-US"/>
               <a:t>Second level</a:t>
             </a:r>
-            <a:endParaRPr lang="en-US"/>
           </a:p>
           <a:p>
             <a:pPr lvl="2"/>
@@ -1140,7 +1312,6 @@
               <a:rPr lang="en-US"/>
               <a:t>Third level</a:t>
             </a:r>
-            <a:endParaRPr lang="en-US"/>
           </a:p>
           <a:p>
             <a:pPr lvl="3"/>
@@ -1148,7 +1319,6 @@
               <a:rPr lang="en-US"/>
               <a:t>Fourth level</a:t>
             </a:r>
-            <a:endParaRPr lang="en-US"/>
           </a:p>
           <a:p>
             <a:pPr lvl="4"/>
@@ -1156,13 +1326,18 @@
               <a:rPr lang="en-US"/>
               <a:t>Fifth level</a:t>
             </a:r>
-            <a:endParaRPr lang="en-US"/>
-          </a:p>
-        </p:txBody>
-      </p:sp>
-      <p:sp>
-        <p:nvSpPr>
-          <p:cNvPr id="4" name="Content Placeholder 3"/>
+          </a:p>
+        </p:txBody>
+      </p:sp>
+      <p:sp>
+        <p:nvSpPr>
+          <p:cNvPr id="4" name="Content Placeholder 3">
+            <a:extLst>
+              <a:ext uri="{FF2B5EF4-FFF2-40B4-BE49-F238E27FC236}">
+                <a16:creationId xmlns:a16="http://schemas.microsoft.com/office/drawing/2014/main" id="{0B053FF6-65BC-5041-83D6-253B2D1FF27F}"/>
+              </a:ext>
+            </a:extLst>
+          </p:cNvPr>
           <p:cNvSpPr>
             <a:spLocks noGrp="1"/>
           </p:cNvSpPr>
@@ -1185,7 +1360,6 @@
               <a:rPr lang="en-US"/>
               <a:t>Click to edit Master text styles</a:t>
             </a:r>
-            <a:endParaRPr lang="en-US"/>
           </a:p>
           <a:p>
             <a:pPr lvl="1"/>
@@ -1193,7 +1367,6 @@
               <a:rPr lang="en-US"/>
               <a:t>Second level</a:t>
             </a:r>
-            <a:endParaRPr lang="en-US"/>
           </a:p>
           <a:p>
             <a:pPr lvl="2"/>
@@ -1201,7 +1374,6 @@
               <a:rPr lang="en-US"/>
               <a:t>Third level</a:t>
             </a:r>
-            <a:endParaRPr lang="en-US"/>
           </a:p>
           <a:p>
             <a:pPr lvl="3"/>
@@ -1209,7 +1381,6 @@
               <a:rPr lang="en-US"/>
               <a:t>Fourth level</a:t>
             </a:r>
-            <a:endParaRPr lang="en-US"/>
           </a:p>
           <a:p>
             <a:pPr lvl="4"/>
@@ -1217,13 +1388,18 @@
               <a:rPr lang="en-US"/>
               <a:t>Fifth level</a:t>
             </a:r>
-            <a:endParaRPr lang="en-US"/>
-          </a:p>
-        </p:txBody>
-      </p:sp>
-      <p:sp>
-        <p:nvSpPr>
-          <p:cNvPr id="5" name="Date Placeholder 4"/>
+          </a:p>
+        </p:txBody>
+      </p:sp>
+      <p:sp>
+        <p:nvSpPr>
+          <p:cNvPr id="5" name="Date Placeholder 4">
+            <a:extLst>
+              <a:ext uri="{FF2B5EF4-FFF2-40B4-BE49-F238E27FC236}">
+                <a16:creationId xmlns:a16="http://schemas.microsoft.com/office/drawing/2014/main" id="{7CFB45E1-5716-4541-A27E-BEC4185B123D}"/>
+              </a:ext>
+            </a:extLst>
+          </p:cNvPr>
           <p:cNvSpPr>
             <a:spLocks noGrp="1"/>
           </p:cNvSpPr>
@@ -1238,6 +1414,7 @@
           <a:p>
             <a:fld id="{D16E4C0B-5100-894B-A9CD-79332A81BBFA}" type="datetimeFigureOut">
               <a:rPr lang="en-US"/>
+              <a:t>10/30/2023</a:t>
             </a:fld>
             <a:endParaRPr lang="en-US"/>
           </a:p>
@@ -1245,7 +1422,13 @@
       </p:sp>
       <p:sp>
         <p:nvSpPr>
-          <p:cNvPr id="6" name="Footer Placeholder 5"/>
+          <p:cNvPr id="6" name="Footer Placeholder 5">
+            <a:extLst>
+              <a:ext uri="{FF2B5EF4-FFF2-40B4-BE49-F238E27FC236}">
+                <a16:creationId xmlns:a16="http://schemas.microsoft.com/office/drawing/2014/main" id="{506D319D-5112-0442-8D7E-25800373CF0C}"/>
+              </a:ext>
+            </a:extLst>
+          </p:cNvPr>
           <p:cNvSpPr>
             <a:spLocks noGrp="1"/>
           </p:cNvSpPr>
@@ -1264,7 +1447,13 @@
       </p:sp>
       <p:sp>
         <p:nvSpPr>
-          <p:cNvPr id="7" name="Slide Number Placeholder 6"/>
+          <p:cNvPr id="7" name="Slide Number Placeholder 6">
+            <a:extLst>
+              <a:ext uri="{FF2B5EF4-FFF2-40B4-BE49-F238E27FC236}">
+                <a16:creationId xmlns:a16="http://schemas.microsoft.com/office/drawing/2014/main" id="{96C17969-006F-CA43-B6BD-E471B8FD425B}"/>
+              </a:ext>
+            </a:extLst>
+          </p:cNvPr>
           <p:cNvSpPr>
             <a:spLocks noGrp="1"/>
           </p:cNvSpPr>
@@ -1279,12 +1468,18 @@
           <a:p>
             <a:fld id="{1BF884D7-A529-1C43-9A5B-D20595E3D6E4}" type="slidenum">
               <a:rPr lang="en-US"/>
+              <a:t>‹#›</a:t>
             </a:fld>
             <a:endParaRPr lang="en-US"/>
           </a:p>
         </p:txBody>
       </p:sp>
     </p:spTree>
+    <p:extLst>
+      <p:ext uri="{BB962C8B-B14F-4D97-AF65-F5344CB8AC3E}">
+        <p14:creationId xmlns:p14="http://schemas.microsoft.com/office/powerpoint/2010/main" val="871875416"/>
+      </p:ext>
+    </p:extLst>
   </p:cSld>
   <p:clrMapOvr>
     <a:masterClrMapping/>
@@ -1311,7 +1506,13 @@
       </p:grpSpPr>
       <p:sp>
         <p:nvSpPr>
-          <p:cNvPr id="2" name="Title 1"/>
+          <p:cNvPr id="2" name="Title 1">
+            <a:extLst>
+              <a:ext uri="{FF2B5EF4-FFF2-40B4-BE49-F238E27FC236}">
+                <a16:creationId xmlns:a16="http://schemas.microsoft.com/office/drawing/2014/main" id="{CF88D4A3-42BB-0247-A6BD-B83DA4C442BC}"/>
+              </a:ext>
+            </a:extLst>
+          </p:cNvPr>
           <p:cNvSpPr>
             <a:spLocks noGrp="1"/>
           </p:cNvSpPr>
@@ -1333,13 +1534,18 @@
               <a:rPr lang="en-US"/>
               <a:t>Click to edit Master title style</a:t>
             </a:r>
-            <a:endParaRPr lang="en-US"/>
-          </a:p>
-        </p:txBody>
-      </p:sp>
-      <p:sp>
-        <p:nvSpPr>
-          <p:cNvPr id="3" name="Text Placeholder 2"/>
+          </a:p>
+        </p:txBody>
+      </p:sp>
+      <p:sp>
+        <p:nvSpPr>
+          <p:cNvPr id="3" name="Text Placeholder 2">
+            <a:extLst>
+              <a:ext uri="{FF2B5EF4-FFF2-40B4-BE49-F238E27FC236}">
+                <a16:creationId xmlns:a16="http://schemas.microsoft.com/office/drawing/2014/main" id="{68A0C1B2-4F6F-AD4E-936D-5AE42A4B3A4D}"/>
+              </a:ext>
+            </a:extLst>
+          </p:cNvPr>
           <p:cNvSpPr>
             <a:spLocks noGrp="1"/>
           </p:cNvSpPr>
@@ -1399,13 +1605,18 @@
               <a:rPr lang="en-US"/>
               <a:t>Click to edit Master text styles</a:t>
             </a:r>
-            <a:endParaRPr lang="en-US"/>
-          </a:p>
-        </p:txBody>
-      </p:sp>
-      <p:sp>
-        <p:nvSpPr>
-          <p:cNvPr id="4" name="Content Placeholder 3"/>
+          </a:p>
+        </p:txBody>
+      </p:sp>
+      <p:sp>
+        <p:nvSpPr>
+          <p:cNvPr id="4" name="Content Placeholder 3">
+            <a:extLst>
+              <a:ext uri="{FF2B5EF4-FFF2-40B4-BE49-F238E27FC236}">
+                <a16:creationId xmlns:a16="http://schemas.microsoft.com/office/drawing/2014/main" id="{BF685C4F-C56A-3248-8038-E2EE6B38A827}"/>
+              </a:ext>
+            </a:extLst>
+          </p:cNvPr>
           <p:cNvSpPr>
             <a:spLocks noGrp="1"/>
           </p:cNvSpPr>
@@ -1428,7 +1639,6 @@
               <a:rPr lang="en-US"/>
               <a:t>Click to edit Master text styles</a:t>
             </a:r>
-            <a:endParaRPr lang="en-US"/>
           </a:p>
           <a:p>
             <a:pPr lvl="1"/>
@@ -1436,7 +1646,6 @@
               <a:rPr lang="en-US"/>
               <a:t>Second level</a:t>
             </a:r>
-            <a:endParaRPr lang="en-US"/>
           </a:p>
           <a:p>
             <a:pPr lvl="2"/>
@@ -1444,7 +1653,6 @@
               <a:rPr lang="en-US"/>
               <a:t>Third level</a:t>
             </a:r>
-            <a:endParaRPr lang="en-US"/>
           </a:p>
           <a:p>
             <a:pPr lvl="3"/>
@@ -1452,7 +1660,6 @@
               <a:rPr lang="en-US"/>
               <a:t>Fourth level</a:t>
             </a:r>
-            <a:endParaRPr lang="en-US"/>
           </a:p>
           <a:p>
             <a:pPr lvl="4"/>
@@ -1460,13 +1667,18 @@
               <a:rPr lang="en-US"/>
               <a:t>Fifth level</a:t>
             </a:r>
-            <a:endParaRPr lang="en-US"/>
-          </a:p>
-        </p:txBody>
-      </p:sp>
-      <p:sp>
-        <p:nvSpPr>
-          <p:cNvPr id="5" name="Text Placeholder 4"/>
+          </a:p>
+        </p:txBody>
+      </p:sp>
+      <p:sp>
+        <p:nvSpPr>
+          <p:cNvPr id="5" name="Text Placeholder 4">
+            <a:extLst>
+              <a:ext uri="{FF2B5EF4-FFF2-40B4-BE49-F238E27FC236}">
+                <a16:creationId xmlns:a16="http://schemas.microsoft.com/office/drawing/2014/main" id="{BAB2A8BA-6F4B-8142-AD0C-5D9DF4077A46}"/>
+              </a:ext>
+            </a:extLst>
+          </p:cNvPr>
           <p:cNvSpPr>
             <a:spLocks noGrp="1"/>
           </p:cNvSpPr>
@@ -1526,13 +1738,18 @@
               <a:rPr lang="en-US"/>
               <a:t>Click to edit Master text styles</a:t>
             </a:r>
-            <a:endParaRPr lang="en-US"/>
-          </a:p>
-        </p:txBody>
-      </p:sp>
-      <p:sp>
-        <p:nvSpPr>
-          <p:cNvPr id="6" name="Content Placeholder 5"/>
+          </a:p>
+        </p:txBody>
+      </p:sp>
+      <p:sp>
+        <p:nvSpPr>
+          <p:cNvPr id="6" name="Content Placeholder 5">
+            <a:extLst>
+              <a:ext uri="{FF2B5EF4-FFF2-40B4-BE49-F238E27FC236}">
+                <a16:creationId xmlns:a16="http://schemas.microsoft.com/office/drawing/2014/main" id="{1F117F1A-E0EC-9F4A-877C-8DC97F2B2ED6}"/>
+              </a:ext>
+            </a:extLst>
+          </p:cNvPr>
           <p:cNvSpPr>
             <a:spLocks noGrp="1"/>
           </p:cNvSpPr>
@@ -1555,7 +1772,6 @@
               <a:rPr lang="en-US"/>
               <a:t>Click to edit Master text styles</a:t>
             </a:r>
-            <a:endParaRPr lang="en-US"/>
           </a:p>
           <a:p>
             <a:pPr lvl="1"/>
@@ -1563,7 +1779,6 @@
               <a:rPr lang="en-US"/>
               <a:t>Second level</a:t>
             </a:r>
-            <a:endParaRPr lang="en-US"/>
           </a:p>
           <a:p>
             <a:pPr lvl="2"/>
@@ -1571,7 +1786,6 @@
               <a:rPr lang="en-US"/>
               <a:t>Third level</a:t>
             </a:r>
-            <a:endParaRPr lang="en-US"/>
           </a:p>
           <a:p>
             <a:pPr lvl="3"/>
@@ -1579,7 +1793,6 @@
               <a:rPr lang="en-US"/>
               <a:t>Fourth level</a:t>
             </a:r>
-            <a:endParaRPr lang="en-US"/>
           </a:p>
           <a:p>
             <a:pPr lvl="4"/>
@@ -1587,13 +1800,18 @@
               <a:rPr lang="en-US"/>
               <a:t>Fifth level</a:t>
             </a:r>
-            <a:endParaRPr lang="en-US"/>
-          </a:p>
-        </p:txBody>
-      </p:sp>
-      <p:sp>
-        <p:nvSpPr>
-          <p:cNvPr id="7" name="Date Placeholder 6"/>
+          </a:p>
+        </p:txBody>
+      </p:sp>
+      <p:sp>
+        <p:nvSpPr>
+          <p:cNvPr id="7" name="Date Placeholder 6">
+            <a:extLst>
+              <a:ext uri="{FF2B5EF4-FFF2-40B4-BE49-F238E27FC236}">
+                <a16:creationId xmlns:a16="http://schemas.microsoft.com/office/drawing/2014/main" id="{D7CE7DB3-9F0A-A74C-A8B8-872C8307EACC}"/>
+              </a:ext>
+            </a:extLst>
+          </p:cNvPr>
           <p:cNvSpPr>
             <a:spLocks noGrp="1"/>
           </p:cNvSpPr>
@@ -1608,6 +1826,7 @@
           <a:p>
             <a:fld id="{D16E4C0B-5100-894B-A9CD-79332A81BBFA}" type="datetimeFigureOut">
               <a:rPr lang="en-US"/>
+              <a:t>10/30/2023</a:t>
             </a:fld>
             <a:endParaRPr lang="en-US"/>
           </a:p>
@@ -1615,7 +1834,13 @@
       </p:sp>
       <p:sp>
         <p:nvSpPr>
-          <p:cNvPr id="8" name="Footer Placeholder 7"/>
+          <p:cNvPr id="8" name="Footer Placeholder 7">
+            <a:extLst>
+              <a:ext uri="{FF2B5EF4-FFF2-40B4-BE49-F238E27FC236}">
+                <a16:creationId xmlns:a16="http://schemas.microsoft.com/office/drawing/2014/main" id="{918B034D-1E0D-5B41-A6C8-5D10BFDD9A8F}"/>
+              </a:ext>
+            </a:extLst>
+          </p:cNvPr>
           <p:cNvSpPr>
             <a:spLocks noGrp="1"/>
           </p:cNvSpPr>
@@ -1634,7 +1859,13 @@
       </p:sp>
       <p:sp>
         <p:nvSpPr>
-          <p:cNvPr id="9" name="Slide Number Placeholder 8"/>
+          <p:cNvPr id="9" name="Slide Number Placeholder 8">
+            <a:extLst>
+              <a:ext uri="{FF2B5EF4-FFF2-40B4-BE49-F238E27FC236}">
+                <a16:creationId xmlns:a16="http://schemas.microsoft.com/office/drawing/2014/main" id="{375688DC-984C-FF40-A9BF-EE8EBD03ABD6}"/>
+              </a:ext>
+            </a:extLst>
+          </p:cNvPr>
           <p:cNvSpPr>
             <a:spLocks noGrp="1"/>
           </p:cNvSpPr>
@@ -1649,12 +1880,18 @@
           <a:p>
             <a:fld id="{1BF884D7-A529-1C43-9A5B-D20595E3D6E4}" type="slidenum">
               <a:rPr lang="en-US"/>
+              <a:t>‹#›</a:t>
             </a:fld>
             <a:endParaRPr lang="en-US"/>
           </a:p>
         </p:txBody>
       </p:sp>
     </p:spTree>
+    <p:extLst>
+      <p:ext uri="{BB962C8B-B14F-4D97-AF65-F5344CB8AC3E}">
+        <p14:creationId xmlns:p14="http://schemas.microsoft.com/office/powerpoint/2010/main" val="4218747580"/>
+      </p:ext>
+    </p:extLst>
   </p:cSld>
   <p:clrMapOvr>
     <a:masterClrMapping/>
@@ -1681,7 +1918,13 @@
       </p:grpSpPr>
       <p:sp>
         <p:nvSpPr>
-          <p:cNvPr id="2" name="Title 1"/>
+          <p:cNvPr id="2" name="Title 1">
+            <a:extLst>
+              <a:ext uri="{FF2B5EF4-FFF2-40B4-BE49-F238E27FC236}">
+                <a16:creationId xmlns:a16="http://schemas.microsoft.com/office/drawing/2014/main" id="{D19D045A-4CC6-0F4A-9886-E3456E7CB7D8}"/>
+              </a:ext>
+            </a:extLst>
+          </p:cNvPr>
           <p:cNvSpPr>
             <a:spLocks noGrp="1"/>
           </p:cNvSpPr>
@@ -1698,13 +1941,18 @@
               <a:rPr lang="en-US"/>
               <a:t>Click to edit Master title style</a:t>
             </a:r>
-            <a:endParaRPr lang="en-US"/>
-          </a:p>
-        </p:txBody>
-      </p:sp>
-      <p:sp>
-        <p:nvSpPr>
-          <p:cNvPr id="3" name="Date Placeholder 2"/>
+          </a:p>
+        </p:txBody>
+      </p:sp>
+      <p:sp>
+        <p:nvSpPr>
+          <p:cNvPr id="3" name="Date Placeholder 2">
+            <a:extLst>
+              <a:ext uri="{FF2B5EF4-FFF2-40B4-BE49-F238E27FC236}">
+                <a16:creationId xmlns:a16="http://schemas.microsoft.com/office/drawing/2014/main" id="{C803DDD0-1D11-1D41-B649-7DB248A3E908}"/>
+              </a:ext>
+            </a:extLst>
+          </p:cNvPr>
           <p:cNvSpPr>
             <a:spLocks noGrp="1"/>
           </p:cNvSpPr>
@@ -1719,6 +1967,7 @@
           <a:p>
             <a:fld id="{D16E4C0B-5100-894B-A9CD-79332A81BBFA}" type="datetimeFigureOut">
               <a:rPr lang="en-US"/>
+              <a:t>10/30/2023</a:t>
             </a:fld>
             <a:endParaRPr lang="en-US"/>
           </a:p>
@@ -1726,7 +1975,13 @@
       </p:sp>
       <p:sp>
         <p:nvSpPr>
-          <p:cNvPr id="4" name="Footer Placeholder 3"/>
+          <p:cNvPr id="4" name="Footer Placeholder 3">
+            <a:extLst>
+              <a:ext uri="{FF2B5EF4-FFF2-40B4-BE49-F238E27FC236}">
+                <a16:creationId xmlns:a16="http://schemas.microsoft.com/office/drawing/2014/main" id="{E61C0327-0FDA-254C-9D6D-D6CF9E7F43B1}"/>
+              </a:ext>
+            </a:extLst>
+          </p:cNvPr>
           <p:cNvSpPr>
             <a:spLocks noGrp="1"/>
           </p:cNvSpPr>
@@ -1745,7 +2000,13 @@
       </p:sp>
       <p:sp>
         <p:nvSpPr>
-          <p:cNvPr id="5" name="Slide Number Placeholder 4"/>
+          <p:cNvPr id="5" name="Slide Number Placeholder 4">
+            <a:extLst>
+              <a:ext uri="{FF2B5EF4-FFF2-40B4-BE49-F238E27FC236}">
+                <a16:creationId xmlns:a16="http://schemas.microsoft.com/office/drawing/2014/main" id="{0624AC90-D489-AB42-B6F5-E94239A19729}"/>
+              </a:ext>
+            </a:extLst>
+          </p:cNvPr>
           <p:cNvSpPr>
             <a:spLocks noGrp="1"/>
           </p:cNvSpPr>
@@ -1760,12 +2021,18 @@
           <a:p>
             <a:fld id="{1BF884D7-A529-1C43-9A5B-D20595E3D6E4}" type="slidenum">
               <a:rPr lang="en-US"/>
+              <a:t>‹#›</a:t>
             </a:fld>
             <a:endParaRPr lang="en-US"/>
           </a:p>
         </p:txBody>
       </p:sp>
     </p:spTree>
+    <p:extLst>
+      <p:ext uri="{BB962C8B-B14F-4D97-AF65-F5344CB8AC3E}">
+        <p14:creationId xmlns:p14="http://schemas.microsoft.com/office/powerpoint/2010/main" val="2682572959"/>
+      </p:ext>
+    </p:extLst>
   </p:cSld>
   <p:clrMapOvr>
     <a:masterClrMapping/>
@@ -1792,7 +2059,13 @@
       </p:grpSpPr>
       <p:sp>
         <p:nvSpPr>
-          <p:cNvPr id="2" name="Date Placeholder 1"/>
+          <p:cNvPr id="2" name="Date Placeholder 1">
+            <a:extLst>
+              <a:ext uri="{FF2B5EF4-FFF2-40B4-BE49-F238E27FC236}">
+                <a16:creationId xmlns:a16="http://schemas.microsoft.com/office/drawing/2014/main" id="{536A985B-23F8-D249-BC75-875C9D25103C}"/>
+              </a:ext>
+            </a:extLst>
+          </p:cNvPr>
           <p:cNvSpPr>
             <a:spLocks noGrp="1"/>
           </p:cNvSpPr>
@@ -1807,6 +2080,7 @@
           <a:p>
             <a:fld id="{D16E4C0B-5100-894B-A9CD-79332A81BBFA}" type="datetimeFigureOut">
               <a:rPr lang="en-US"/>
+              <a:t>10/30/2023</a:t>
             </a:fld>
             <a:endParaRPr lang="en-US"/>
           </a:p>
@@ -1814,7 +2088,13 @@
       </p:sp>
       <p:sp>
         <p:nvSpPr>
-          <p:cNvPr id="3" name="Footer Placeholder 2"/>
+          <p:cNvPr id="3" name="Footer Placeholder 2">
+            <a:extLst>
+              <a:ext uri="{FF2B5EF4-FFF2-40B4-BE49-F238E27FC236}">
+                <a16:creationId xmlns:a16="http://schemas.microsoft.com/office/drawing/2014/main" id="{80B9F2B2-C2AB-7A49-9CE8-E53998E8D03B}"/>
+              </a:ext>
+            </a:extLst>
+          </p:cNvPr>
           <p:cNvSpPr>
             <a:spLocks noGrp="1"/>
           </p:cNvSpPr>
@@ -1833,7 +2113,13 @@
       </p:sp>
       <p:sp>
         <p:nvSpPr>
-          <p:cNvPr id="4" name="Slide Number Placeholder 3"/>
+          <p:cNvPr id="4" name="Slide Number Placeholder 3">
+            <a:extLst>
+              <a:ext uri="{FF2B5EF4-FFF2-40B4-BE49-F238E27FC236}">
+                <a16:creationId xmlns:a16="http://schemas.microsoft.com/office/drawing/2014/main" id="{57063E1A-AB79-1C45-BC8C-6D7936473B98}"/>
+              </a:ext>
+            </a:extLst>
+          </p:cNvPr>
           <p:cNvSpPr>
             <a:spLocks noGrp="1"/>
           </p:cNvSpPr>
@@ -1848,12 +2134,18 @@
           <a:p>
             <a:fld id="{1BF884D7-A529-1C43-9A5B-D20595E3D6E4}" type="slidenum">
               <a:rPr lang="en-US"/>
+              <a:t>‹#›</a:t>
             </a:fld>
             <a:endParaRPr lang="en-US"/>
           </a:p>
         </p:txBody>
       </p:sp>
     </p:spTree>
+    <p:extLst>
+      <p:ext uri="{BB962C8B-B14F-4D97-AF65-F5344CB8AC3E}">
+        <p14:creationId xmlns:p14="http://schemas.microsoft.com/office/powerpoint/2010/main" val="1700536184"/>
+      </p:ext>
+    </p:extLst>
   </p:cSld>
   <p:clrMapOvr>
     <a:masterClrMapping/>
@@ -1880,7 +2172,13 @@
       </p:grpSpPr>
       <p:sp>
         <p:nvSpPr>
-          <p:cNvPr id="2" name="Title 1"/>
+          <p:cNvPr id="2" name="Title 1">
+            <a:extLst>
+              <a:ext uri="{FF2B5EF4-FFF2-40B4-BE49-F238E27FC236}">
+                <a16:creationId xmlns:a16="http://schemas.microsoft.com/office/drawing/2014/main" id="{72592B67-9B87-7249-9A48-81CA32916AF7}"/>
+              </a:ext>
+            </a:extLst>
+          </p:cNvPr>
           <p:cNvSpPr>
             <a:spLocks noGrp="1"/>
           </p:cNvSpPr>
@@ -1906,13 +2204,18 @@
               <a:rPr lang="en-US"/>
               <a:t>Click to edit Master title style</a:t>
             </a:r>
-            <a:endParaRPr lang="en-US"/>
-          </a:p>
-        </p:txBody>
-      </p:sp>
-      <p:sp>
-        <p:nvSpPr>
-          <p:cNvPr id="3" name="Content Placeholder 2"/>
+          </a:p>
+        </p:txBody>
+      </p:sp>
+      <p:sp>
+        <p:nvSpPr>
+          <p:cNvPr id="3" name="Content Placeholder 2">
+            <a:extLst>
+              <a:ext uri="{FF2B5EF4-FFF2-40B4-BE49-F238E27FC236}">
+                <a16:creationId xmlns:a16="http://schemas.microsoft.com/office/drawing/2014/main" id="{22F8F5A0-49A5-4F4D-8424-B8EBFDB4DED1}"/>
+              </a:ext>
+            </a:extLst>
+          </p:cNvPr>
           <p:cNvSpPr>
             <a:spLocks noGrp="1"/>
           </p:cNvSpPr>
@@ -1963,7 +2266,6 @@
               <a:rPr lang="en-US"/>
               <a:t>Click to edit Master text styles</a:t>
             </a:r>
-            <a:endParaRPr lang="en-US"/>
           </a:p>
           <a:p>
             <a:pPr lvl="1"/>
@@ -1971,7 +2273,6 @@
               <a:rPr lang="en-US"/>
               <a:t>Second level</a:t>
             </a:r>
-            <a:endParaRPr lang="en-US"/>
           </a:p>
           <a:p>
             <a:pPr lvl="2"/>
@@ -1979,7 +2280,6 @@
               <a:rPr lang="en-US"/>
               <a:t>Third level</a:t>
             </a:r>
-            <a:endParaRPr lang="en-US"/>
           </a:p>
           <a:p>
             <a:pPr lvl="3"/>
@@ -1987,7 +2287,6 @@
               <a:rPr lang="en-US"/>
               <a:t>Fourth level</a:t>
             </a:r>
-            <a:endParaRPr lang="en-US"/>
           </a:p>
           <a:p>
             <a:pPr lvl="4"/>
@@ -1995,13 +2294,18 @@
               <a:rPr lang="en-US"/>
               <a:t>Fifth level</a:t>
             </a:r>
-            <a:endParaRPr lang="en-US"/>
-          </a:p>
-        </p:txBody>
-      </p:sp>
-      <p:sp>
-        <p:nvSpPr>
-          <p:cNvPr id="4" name="Text Placeholder 3"/>
+          </a:p>
+        </p:txBody>
+      </p:sp>
+      <p:sp>
+        <p:nvSpPr>
+          <p:cNvPr id="4" name="Text Placeholder 3">
+            <a:extLst>
+              <a:ext uri="{FF2B5EF4-FFF2-40B4-BE49-F238E27FC236}">
+                <a16:creationId xmlns:a16="http://schemas.microsoft.com/office/drawing/2014/main" id="{DA03575E-C5E2-4244-8F6A-E102D993D92C}"/>
+              </a:ext>
+            </a:extLst>
+          </p:cNvPr>
           <p:cNvSpPr>
             <a:spLocks noGrp="1"/>
           </p:cNvSpPr>
@@ -2061,13 +2365,18 @@
               <a:rPr lang="en-US"/>
               <a:t>Click to edit Master text styles</a:t>
             </a:r>
-            <a:endParaRPr lang="en-US"/>
-          </a:p>
-        </p:txBody>
-      </p:sp>
-      <p:sp>
-        <p:nvSpPr>
-          <p:cNvPr id="5" name="Date Placeholder 4"/>
+          </a:p>
+        </p:txBody>
+      </p:sp>
+      <p:sp>
+        <p:nvSpPr>
+          <p:cNvPr id="5" name="Date Placeholder 4">
+            <a:extLst>
+              <a:ext uri="{FF2B5EF4-FFF2-40B4-BE49-F238E27FC236}">
+                <a16:creationId xmlns:a16="http://schemas.microsoft.com/office/drawing/2014/main" id="{C212F908-1C53-1349-B832-438ED05D855C}"/>
+              </a:ext>
+            </a:extLst>
+          </p:cNvPr>
           <p:cNvSpPr>
             <a:spLocks noGrp="1"/>
           </p:cNvSpPr>
@@ -2082,6 +2391,7 @@
           <a:p>
             <a:fld id="{D16E4C0B-5100-894B-A9CD-79332A81BBFA}" type="datetimeFigureOut">
               <a:rPr lang="en-US"/>
+              <a:t>10/30/2023</a:t>
             </a:fld>
             <a:endParaRPr lang="en-US"/>
           </a:p>
@@ -2089,7 +2399,13 @@
       </p:sp>
       <p:sp>
         <p:nvSpPr>
-          <p:cNvPr id="6" name="Footer Placeholder 5"/>
+          <p:cNvPr id="6" name="Footer Placeholder 5">
+            <a:extLst>
+              <a:ext uri="{FF2B5EF4-FFF2-40B4-BE49-F238E27FC236}">
+                <a16:creationId xmlns:a16="http://schemas.microsoft.com/office/drawing/2014/main" id="{64405A8B-7347-6F48-A6A1-7FE50206F5D3}"/>
+              </a:ext>
+            </a:extLst>
+          </p:cNvPr>
           <p:cNvSpPr>
             <a:spLocks noGrp="1"/>
           </p:cNvSpPr>
@@ -2108,7 +2424,13 @@
       </p:sp>
       <p:sp>
         <p:nvSpPr>
-          <p:cNvPr id="7" name="Slide Number Placeholder 6"/>
+          <p:cNvPr id="7" name="Slide Number Placeholder 6">
+            <a:extLst>
+              <a:ext uri="{FF2B5EF4-FFF2-40B4-BE49-F238E27FC236}">
+                <a16:creationId xmlns:a16="http://schemas.microsoft.com/office/drawing/2014/main" id="{EC2DECA3-C509-3443-99C4-E6401DE72258}"/>
+              </a:ext>
+            </a:extLst>
+          </p:cNvPr>
           <p:cNvSpPr>
             <a:spLocks noGrp="1"/>
           </p:cNvSpPr>
@@ -2123,12 +2445,18 @@
           <a:p>
             <a:fld id="{1BF884D7-A529-1C43-9A5B-D20595E3D6E4}" type="slidenum">
               <a:rPr lang="en-US"/>
+              <a:t>‹#›</a:t>
             </a:fld>
             <a:endParaRPr lang="en-US"/>
           </a:p>
         </p:txBody>
       </p:sp>
     </p:spTree>
+    <p:extLst>
+      <p:ext uri="{BB962C8B-B14F-4D97-AF65-F5344CB8AC3E}">
+        <p14:creationId xmlns:p14="http://schemas.microsoft.com/office/powerpoint/2010/main" val="973030288"/>
+      </p:ext>
+    </p:extLst>
   </p:cSld>
   <p:clrMapOvr>
     <a:masterClrMapping/>
@@ -2155,7 +2483,13 @@
       </p:grpSpPr>
       <p:sp>
         <p:nvSpPr>
-          <p:cNvPr id="2" name="Title 1"/>
+          <p:cNvPr id="2" name="Title 1">
+            <a:extLst>
+              <a:ext uri="{FF2B5EF4-FFF2-40B4-BE49-F238E27FC236}">
+                <a16:creationId xmlns:a16="http://schemas.microsoft.com/office/drawing/2014/main" id="{F621A00A-51FE-3346-A43A-5B5AEC13D9C1}"/>
+              </a:ext>
+            </a:extLst>
+          </p:cNvPr>
           <p:cNvSpPr>
             <a:spLocks noGrp="1"/>
           </p:cNvSpPr>
@@ -2181,13 +2515,18 @@
               <a:rPr lang="en-US"/>
               <a:t>Click to edit Master title style</a:t>
             </a:r>
-            <a:endParaRPr lang="en-US"/>
-          </a:p>
-        </p:txBody>
-      </p:sp>
-      <p:sp>
-        <p:nvSpPr>
-          <p:cNvPr id="3" name="Picture Placeholder 2"/>
+          </a:p>
+        </p:txBody>
+      </p:sp>
+      <p:sp>
+        <p:nvSpPr>
+          <p:cNvPr id="3" name="Picture Placeholder 2">
+            <a:extLst>
+              <a:ext uri="{FF2B5EF4-FFF2-40B4-BE49-F238E27FC236}">
+                <a16:creationId xmlns:a16="http://schemas.microsoft.com/office/drawing/2014/main" id="{5F0225AA-2C6E-AA4E-A65B-6C63641B49DB}"/>
+              </a:ext>
+            </a:extLst>
+          </p:cNvPr>
           <p:cNvSpPr>
             <a:spLocks noGrp="1"/>
           </p:cNvSpPr>
@@ -2248,7 +2587,13 @@
       </p:sp>
       <p:sp>
         <p:nvSpPr>
-          <p:cNvPr id="4" name="Text Placeholder 3"/>
+          <p:cNvPr id="4" name="Text Placeholder 3">
+            <a:extLst>
+              <a:ext uri="{FF2B5EF4-FFF2-40B4-BE49-F238E27FC236}">
+                <a16:creationId xmlns:a16="http://schemas.microsoft.com/office/drawing/2014/main" id="{0DFF7A5E-C13C-6042-825D-A623FE8FAF18}"/>
+              </a:ext>
+            </a:extLst>
+          </p:cNvPr>
           <p:cNvSpPr>
             <a:spLocks noGrp="1"/>
           </p:cNvSpPr>
@@ -2308,13 +2653,18 @@
               <a:rPr lang="en-US"/>
               <a:t>Click to edit Master text styles</a:t>
             </a:r>
-            <a:endParaRPr lang="en-US"/>
-          </a:p>
-        </p:txBody>
-      </p:sp>
-      <p:sp>
-        <p:nvSpPr>
-          <p:cNvPr id="5" name="Date Placeholder 4"/>
+          </a:p>
+        </p:txBody>
+      </p:sp>
+      <p:sp>
+        <p:nvSpPr>
+          <p:cNvPr id="5" name="Date Placeholder 4">
+            <a:extLst>
+              <a:ext uri="{FF2B5EF4-FFF2-40B4-BE49-F238E27FC236}">
+                <a16:creationId xmlns:a16="http://schemas.microsoft.com/office/drawing/2014/main" id="{A377F77A-47B8-4149-A9FE-30C41C880226}"/>
+              </a:ext>
+            </a:extLst>
+          </p:cNvPr>
           <p:cNvSpPr>
             <a:spLocks noGrp="1"/>
           </p:cNvSpPr>
@@ -2329,6 +2679,7 @@
           <a:p>
             <a:fld id="{D16E4C0B-5100-894B-A9CD-79332A81BBFA}" type="datetimeFigureOut">
               <a:rPr lang="en-US"/>
+              <a:t>10/30/2023</a:t>
             </a:fld>
             <a:endParaRPr lang="en-US"/>
           </a:p>
@@ -2336,7 +2687,13 @@
       </p:sp>
       <p:sp>
         <p:nvSpPr>
-          <p:cNvPr id="6" name="Footer Placeholder 5"/>
+          <p:cNvPr id="6" name="Footer Placeholder 5">
+            <a:extLst>
+              <a:ext uri="{FF2B5EF4-FFF2-40B4-BE49-F238E27FC236}">
+                <a16:creationId xmlns:a16="http://schemas.microsoft.com/office/drawing/2014/main" id="{2AC59895-B22C-3D43-83A4-D2417B3E89BB}"/>
+              </a:ext>
+            </a:extLst>
+          </p:cNvPr>
           <p:cNvSpPr>
             <a:spLocks noGrp="1"/>
           </p:cNvSpPr>
@@ -2355,7 +2712,13 @@
       </p:sp>
       <p:sp>
         <p:nvSpPr>
-          <p:cNvPr id="7" name="Slide Number Placeholder 6"/>
+          <p:cNvPr id="7" name="Slide Number Placeholder 6">
+            <a:extLst>
+              <a:ext uri="{FF2B5EF4-FFF2-40B4-BE49-F238E27FC236}">
+                <a16:creationId xmlns:a16="http://schemas.microsoft.com/office/drawing/2014/main" id="{2B6BF505-8908-234C-9DE7-1548719529C6}"/>
+              </a:ext>
+            </a:extLst>
+          </p:cNvPr>
           <p:cNvSpPr>
             <a:spLocks noGrp="1"/>
           </p:cNvSpPr>
@@ -2370,12 +2733,18 @@
           <a:p>
             <a:fld id="{1BF884D7-A529-1C43-9A5B-D20595E3D6E4}" type="slidenum">
               <a:rPr lang="en-US"/>
+              <a:t>‹#›</a:t>
             </a:fld>
             <a:endParaRPr lang="en-US"/>
           </a:p>
         </p:txBody>
       </p:sp>
     </p:spTree>
+    <p:extLst>
+      <p:ext uri="{BB962C8B-B14F-4D97-AF65-F5344CB8AC3E}">
+        <p14:creationId xmlns:p14="http://schemas.microsoft.com/office/powerpoint/2010/main" val="1283514962"/>
+      </p:ext>
+    </p:extLst>
   </p:cSld>
   <p:clrMapOvr>
     <a:masterClrMapping/>
@@ -2407,7 +2776,13 @@
       </p:grpSpPr>
       <p:sp>
         <p:nvSpPr>
-          <p:cNvPr id="2" name="Title Placeholder 1"/>
+          <p:cNvPr id="2" name="Title Placeholder 1">
+            <a:extLst>
+              <a:ext uri="{FF2B5EF4-FFF2-40B4-BE49-F238E27FC236}">
+                <a16:creationId xmlns:a16="http://schemas.microsoft.com/office/drawing/2014/main" id="{BEBF01B1-E5DD-B742-AE08-0B4D1AB033CF}"/>
+              </a:ext>
+            </a:extLst>
+          </p:cNvPr>
           <p:cNvSpPr>
             <a:spLocks noGrp="1"/>
           </p:cNvSpPr>
@@ -2434,13 +2809,18 @@
               <a:rPr lang="en-US"/>
               <a:t>Click to edit Master title style</a:t>
             </a:r>
-            <a:endParaRPr lang="en-US"/>
-          </a:p>
-        </p:txBody>
-      </p:sp>
-      <p:sp>
-        <p:nvSpPr>
-          <p:cNvPr id="3" name="Text Placeholder 2"/>
+          </a:p>
+        </p:txBody>
+      </p:sp>
+      <p:sp>
+        <p:nvSpPr>
+          <p:cNvPr id="3" name="Text Placeholder 2">
+            <a:extLst>
+              <a:ext uri="{FF2B5EF4-FFF2-40B4-BE49-F238E27FC236}">
+                <a16:creationId xmlns:a16="http://schemas.microsoft.com/office/drawing/2014/main" id="{B85F3FE0-3515-1E4B-9F19-93375CE839D2}"/>
+              </a:ext>
+            </a:extLst>
+          </p:cNvPr>
           <p:cNvSpPr>
             <a:spLocks noGrp="1"/>
           </p:cNvSpPr>
@@ -2468,7 +2848,6 @@
               <a:rPr lang="en-US"/>
               <a:t>Click to edit Master text styles</a:t>
             </a:r>
-            <a:endParaRPr lang="en-US"/>
           </a:p>
           <a:p>
             <a:pPr lvl="1"/>
@@ -2476,7 +2855,6 @@
               <a:rPr lang="en-US"/>
               <a:t>Second level</a:t>
             </a:r>
-            <a:endParaRPr lang="en-US"/>
           </a:p>
           <a:p>
             <a:pPr lvl="2"/>
@@ -2484,7 +2862,6 @@
               <a:rPr lang="en-US"/>
               <a:t>Third level</a:t>
             </a:r>
-            <a:endParaRPr lang="en-US"/>
           </a:p>
           <a:p>
             <a:pPr lvl="3"/>
@@ -2492,7 +2869,6 @@
               <a:rPr lang="en-US"/>
               <a:t>Fourth level</a:t>
             </a:r>
-            <a:endParaRPr lang="en-US"/>
           </a:p>
           <a:p>
             <a:pPr lvl="4"/>
@@ -2500,13 +2876,18 @@
               <a:rPr lang="en-US"/>
               <a:t>Fifth level</a:t>
             </a:r>
-            <a:endParaRPr lang="en-US"/>
-          </a:p>
-        </p:txBody>
-      </p:sp>
-      <p:sp>
-        <p:nvSpPr>
-          <p:cNvPr id="4" name="Date Placeholder 3"/>
+          </a:p>
+        </p:txBody>
+      </p:sp>
+      <p:sp>
+        <p:nvSpPr>
+          <p:cNvPr id="4" name="Date Placeholder 3">
+            <a:extLst>
+              <a:ext uri="{FF2B5EF4-FFF2-40B4-BE49-F238E27FC236}">
+                <a16:creationId xmlns:a16="http://schemas.microsoft.com/office/drawing/2014/main" id="{ADEF6163-5AAE-B74F-9DC8-CF0D5F6179DC}"/>
+              </a:ext>
+            </a:extLst>
+          </p:cNvPr>
           <p:cNvSpPr>
             <a:spLocks noGrp="1"/>
           </p:cNvSpPr>
@@ -2539,6 +2920,7 @@
           <a:p>
             <a:fld id="{D16E4C0B-5100-894B-A9CD-79332A81BBFA}" type="datetimeFigureOut">
               <a:rPr lang="en-US"/>
+              <a:t>10/30/2023</a:t>
             </a:fld>
             <a:endParaRPr lang="en-US"/>
           </a:p>
@@ -2546,7 +2928,13 @@
       </p:sp>
       <p:sp>
         <p:nvSpPr>
-          <p:cNvPr id="5" name="Footer Placeholder 4"/>
+          <p:cNvPr id="5" name="Footer Placeholder 4">
+            <a:extLst>
+              <a:ext uri="{FF2B5EF4-FFF2-40B4-BE49-F238E27FC236}">
+                <a16:creationId xmlns:a16="http://schemas.microsoft.com/office/drawing/2014/main" id="{25538F35-C918-5E4F-8450-01433AE9E6AE}"/>
+              </a:ext>
+            </a:extLst>
+          </p:cNvPr>
           <p:cNvSpPr>
             <a:spLocks noGrp="1"/>
           </p:cNvSpPr>
@@ -2583,7 +2971,13 @@
       </p:sp>
       <p:sp>
         <p:nvSpPr>
-          <p:cNvPr id="6" name="Slide Number Placeholder 5"/>
+          <p:cNvPr id="6" name="Slide Number Placeholder 5">
+            <a:extLst>
+              <a:ext uri="{FF2B5EF4-FFF2-40B4-BE49-F238E27FC236}">
+                <a16:creationId xmlns:a16="http://schemas.microsoft.com/office/drawing/2014/main" id="{D1A019A1-C1D0-224C-B7BA-9B61691CBEE7}"/>
+              </a:ext>
+            </a:extLst>
+          </p:cNvPr>
           <p:cNvSpPr>
             <a:spLocks noGrp="1"/>
           </p:cNvSpPr>
@@ -2616,12 +3010,18 @@
           <a:p>
             <a:fld id="{1BF884D7-A529-1C43-9A5B-D20595E3D6E4}" type="slidenum">
               <a:rPr lang="en-US"/>
+              <a:t>‹#›</a:t>
             </a:fld>
             <a:endParaRPr lang="en-US"/>
           </a:p>
         </p:txBody>
       </p:sp>
     </p:spTree>
+    <p:extLst>
+      <p:ext uri="{BB962C8B-B14F-4D97-AF65-F5344CB8AC3E}">
+        <p14:creationId xmlns:p14="http://schemas.microsoft.com/office/powerpoint/2010/main" val="2952930115"/>
+      </p:ext>
+    </p:extLst>
   </p:cSld>
   <p:clrMap bg1="lt1" tx1="dk1" bg2="lt2" tx2="dk2" accent1="accent1" accent2="accent2" accent3="accent3" accent4="accent4" accent5="accent5" accent6="accent6" hlink="hlink" folHlink="folHlink"/>
   <p:sldLayoutIdLst>
@@ -2939,7 +3339,13 @@
       </p:grpSpPr>
       <p:sp>
         <p:nvSpPr>
-          <p:cNvPr id="2" name="Title 1"/>
+          <p:cNvPr id="2" name="Title 1">
+            <a:extLst>
+              <a:ext uri="{FF2B5EF4-FFF2-40B4-BE49-F238E27FC236}">
+                <a16:creationId xmlns:a16="http://schemas.microsoft.com/office/drawing/2014/main" id="{9C133E5B-37D8-484B-970A-043B03394FAE}"/>
+              </a:ext>
+            </a:extLst>
+          </p:cNvPr>
           <p:cNvSpPr>
             <a:spLocks noGrp="1"/>
           </p:cNvSpPr>
@@ -2959,7 +3365,7 @@
           <a:p>
             <a:r>
               <a:rPr lang="en-IN" b="1"/>
-              <a:t>PIZZA DELIVERY APP </a:t>
+              <a:t>NMS - PIZZA DELIVERY APP </a:t>
             </a:r>
             <a:br>
               <a:rPr lang="en-IN" b="1"/>
@@ -2974,7 +3380,13 @@
       </p:sp>
       <p:sp>
         <p:nvSpPr>
-          <p:cNvPr id="3" name="Subtitle 2"/>
+          <p:cNvPr id="3" name="Subtitle 2">
+            <a:extLst>
+              <a:ext uri="{FF2B5EF4-FFF2-40B4-BE49-F238E27FC236}">
+                <a16:creationId xmlns:a16="http://schemas.microsoft.com/office/drawing/2014/main" id="{85A1C35A-423E-8740-8C83-4A4EE61377B9}"/>
+              </a:ext>
+            </a:extLst>
+          </p:cNvPr>
           <p:cNvSpPr>
             <a:spLocks noGrp="1"/>
           </p:cNvSpPr>
@@ -3002,14 +3414,20 @@
       </p:sp>
       <p:pic>
         <p:nvPicPr>
-          <p:cNvPr id="5" name="Picture 5"/>
+          <p:cNvPr id="5" name="Picture 5">
+            <a:extLst>
+              <a:ext uri="{FF2B5EF4-FFF2-40B4-BE49-F238E27FC236}">
+                <a16:creationId xmlns:a16="http://schemas.microsoft.com/office/drawing/2014/main" id="{210AB915-7801-AC41-9CDD-FCCEF90714A3}"/>
+              </a:ext>
+            </a:extLst>
+          </p:cNvPr>
           <p:cNvPicPr>
             <a:picLocks noChangeAspect="1"/>
           </p:cNvPicPr>
           <p:nvPr/>
         </p:nvPicPr>
         <p:blipFill>
-          <a:blip r:embed="rId1">
+          <a:blip r:embed="rId2">
             <a:extLst>
               <a:ext uri="{28A0092B-C50C-407E-A947-70E740481C1C}">
                 <a14:useLocalDpi xmlns:a14="http://schemas.microsoft.com/office/drawing/2010/main" val="0"/>
@@ -3032,7 +3450,13 @@
       </p:pic>
       <p:sp>
         <p:nvSpPr>
-          <p:cNvPr id="4" name="TextBox 3"/>
+          <p:cNvPr id="4" name="TextBox 3">
+            <a:extLst>
+              <a:ext uri="{FF2B5EF4-FFF2-40B4-BE49-F238E27FC236}">
+                <a16:creationId xmlns:a16="http://schemas.microsoft.com/office/drawing/2014/main" id="{31FD5DE5-694A-6243-9BD6-6B74364C4D68}"/>
+              </a:ext>
+            </a:extLst>
+          </p:cNvPr>
           <p:cNvSpPr txBox="1"/>
           <p:nvPr/>
         </p:nvSpPr>
@@ -3057,7 +3481,6 @@
               <a:rPr lang="en-IN" sz="2400"/>
               <a:t>KRISHNARAJ S (IV - CSBS) </a:t>
             </a:r>
-            <a:endParaRPr lang="en-IN" sz="2400"/>
           </a:p>
           <a:p>
             <a:pPr algn="l"/>
@@ -3065,7 +3488,6 @@
               <a:rPr lang="en-IN" sz="2400"/>
               <a:t>DHARMARAJ R (IV - CSBS) </a:t>
             </a:r>
-            <a:endParaRPr lang="en-IN" sz="2400"/>
           </a:p>
           <a:p>
             <a:pPr algn="l"/>
@@ -3073,7 +3495,6 @@
               <a:rPr lang="en-IN" sz="2400"/>
               <a:t>ARAVINTH N (IV - CSBS) </a:t>
             </a:r>
-            <a:endParaRPr lang="en-IN" sz="2400"/>
           </a:p>
           <a:p>
             <a:pPr algn="l"/>
@@ -3087,14 +3508,20 @@
       </p:sp>
       <p:sp>
         <p:nvSpPr>
-          <p:cNvPr id="6" name="TextBox 5"/>
+          <p:cNvPr id="6" name="TextBox 5">
+            <a:extLst>
+              <a:ext uri="{FF2B5EF4-FFF2-40B4-BE49-F238E27FC236}">
+                <a16:creationId xmlns:a16="http://schemas.microsoft.com/office/drawing/2014/main" id="{5AD6B4F6-0064-1344-9719-0B31F6A997EF}"/>
+              </a:ext>
+            </a:extLst>
+          </p:cNvPr>
           <p:cNvSpPr txBox="1"/>
           <p:nvPr/>
         </p:nvSpPr>
         <p:spPr>
           <a:xfrm>
-            <a:off x="5181600" y="5229860"/>
-            <a:ext cx="6662420" cy="1198880"/>
+            <a:off x="4612546" y="5505462"/>
+            <a:ext cx="6731000" cy="1846659"/>
           </a:xfrm>
           <a:prstGeom prst="rect">
             <a:avLst/>
@@ -3107,36 +3534,39 @@
           </a:bodyPr>
           <a:lstStyle/>
           <a:p>
-            <a:pPr lvl="4" algn="r"/>
-            <a:r>
-              <a:rPr lang="en-IN" sz="2400">
-                <a:sym typeface="+mn-ea"/>
-              </a:rPr>
-              <a:t>GUIDE : Venkata Ramanan AP/CSBS</a:t>
-            </a:r>
+            <a:pPr lvl="2" algn="r"/>
+            <a:r>
+              <a:rPr lang="en-IN" sz="2400"/>
+              <a:t>MENTOR : Rakesh M</a:t>
+            </a:r>
+          </a:p>
+          <a:p>
+            <a:pPr algn="r"/>
+            <a:r>
+              <a:rPr lang="en-IN" sz="2400"/>
+              <a:t>GUIDE : Venkata Ramanen B AP/CSBS</a:t>
+            </a:r>
+          </a:p>
+          <a:p>
+            <a:pPr algn="r"/>
             <a:endParaRPr lang="en-IN" sz="2400"/>
           </a:p>
           <a:p>
             <a:pPr algn="r"/>
-            <a:r>
-              <a:rPr lang="en-IN" sz="2400"/>
-              <a:t>MENTOR : Venkata Ramanan AP/CSBS</a:t>
-            </a:r>
             <a:endParaRPr lang="en-IN" sz="2400"/>
           </a:p>
           <a:p>
             <a:pPr algn="r"/>
-            <a:r>
-              <a:rPr lang="en-IN" sz="2400">
-                <a:sym typeface="+mn-ea"/>
-              </a:rPr>
-              <a:t>EVALUATOR : Venkata Ramanan AP/CSBS</a:t>
-            </a:r>
-            <a:endParaRPr lang="en-IN" sz="2400"/>
+            <a:endParaRPr lang="en-IN"/>
           </a:p>
         </p:txBody>
       </p:sp>
     </p:spTree>
+    <p:extLst>
+      <p:ext uri="{BB962C8B-B14F-4D97-AF65-F5344CB8AC3E}">
+        <p14:creationId xmlns:p14="http://schemas.microsoft.com/office/powerpoint/2010/main" val="2485569698"/>
+      </p:ext>
+    </p:extLst>
   </p:cSld>
   <p:clrMapOvr>
     <a:masterClrMapping/>
@@ -3163,7 +3593,13 @@
       </p:grpSpPr>
       <p:sp>
         <p:nvSpPr>
-          <p:cNvPr id="2" name="Title 1"/>
+          <p:cNvPr id="2" name="Title 1">
+            <a:extLst>
+              <a:ext uri="{FF2B5EF4-FFF2-40B4-BE49-F238E27FC236}">
+                <a16:creationId xmlns:a16="http://schemas.microsoft.com/office/drawing/2014/main" id="{DEC61554-3420-0945-BC0D-6CBA01A76CE8}"/>
+              </a:ext>
+            </a:extLst>
+          </p:cNvPr>
           <p:cNvSpPr>
             <a:spLocks noGrp="1"/>
           </p:cNvSpPr>
@@ -3186,7 +3622,13 @@
       </p:sp>
       <p:sp>
         <p:nvSpPr>
-          <p:cNvPr id="3" name="Content Placeholder 2"/>
+          <p:cNvPr id="3" name="Content Placeholder 2">
+            <a:extLst>
+              <a:ext uri="{FF2B5EF4-FFF2-40B4-BE49-F238E27FC236}">
+                <a16:creationId xmlns:a16="http://schemas.microsoft.com/office/drawing/2014/main" id="{BA362796-3D6B-0245-9AB8-CE22CDEE4AED}"/>
+              </a:ext>
+            </a:extLst>
+          </p:cNvPr>
           <p:cNvSpPr>
             <a:spLocks noGrp="1"/>
           </p:cNvSpPr>
@@ -3229,11 +3671,15 @@
               <a:rPr lang="en-US"/>
               <a:t>This flexibility enhances user efficiency and allows businesses to adapt Salesforce to their specific needs, optimizing workflow and data management across diverse teams and processes.</a:t>
             </a:r>
-            <a:endParaRPr lang="en-US"/>
           </a:p>
         </p:txBody>
       </p:sp>
     </p:spTree>
+    <p:extLst>
+      <p:ext uri="{BB962C8B-B14F-4D97-AF65-F5344CB8AC3E}">
+        <p14:creationId xmlns:p14="http://schemas.microsoft.com/office/powerpoint/2010/main" val="1342602649"/>
+      </p:ext>
+    </p:extLst>
   </p:cSld>
   <p:clrMapOvr>
     <a:masterClrMapping/>
@@ -3260,7 +3706,13 @@
       </p:grpSpPr>
       <p:sp>
         <p:nvSpPr>
-          <p:cNvPr id="2" name="Title 1"/>
+          <p:cNvPr id="2" name="Title 1">
+            <a:extLst>
+              <a:ext uri="{FF2B5EF4-FFF2-40B4-BE49-F238E27FC236}">
+                <a16:creationId xmlns:a16="http://schemas.microsoft.com/office/drawing/2014/main" id="{8B3277E5-23E9-1147-9341-A71DE91BB595}"/>
+              </a:ext>
+            </a:extLst>
+          </p:cNvPr>
           <p:cNvSpPr>
             <a:spLocks noGrp="1"/>
           </p:cNvSpPr>
@@ -3283,7 +3735,13 @@
       </p:sp>
       <p:sp>
         <p:nvSpPr>
-          <p:cNvPr id="3" name="Content Placeholder 2"/>
+          <p:cNvPr id="3" name="Content Placeholder 2">
+            <a:extLst>
+              <a:ext uri="{FF2B5EF4-FFF2-40B4-BE49-F238E27FC236}">
+                <a16:creationId xmlns:a16="http://schemas.microsoft.com/office/drawing/2014/main" id="{91911295-CE34-774C-97AF-4A43EA90C95D}"/>
+              </a:ext>
+            </a:extLst>
+          </p:cNvPr>
           <p:cNvSpPr>
             <a:spLocks noGrp="1"/>
           </p:cNvSpPr>
@@ -3307,7 +3765,6 @@
               <a:rPr lang="en-IN"/>
               <a:t>Salesforce profiles manage user permissions, controlling access to objects, fields, and record actions.</a:t>
             </a:r>
-            <a:endParaRPr lang="en-IN"/>
           </a:p>
           <a:p>
             <a:r>
@@ -3320,14 +3777,20 @@
       </p:sp>
       <p:pic>
         <p:nvPicPr>
-          <p:cNvPr id="4" name="Picture 4"/>
+          <p:cNvPr id="4" name="Picture 4">
+            <a:extLst>
+              <a:ext uri="{FF2B5EF4-FFF2-40B4-BE49-F238E27FC236}">
+                <a16:creationId xmlns:a16="http://schemas.microsoft.com/office/drawing/2014/main" id="{CA58A761-125D-164E-A29F-171278B42AB3}"/>
+              </a:ext>
+            </a:extLst>
+          </p:cNvPr>
           <p:cNvPicPr>
             <a:picLocks noChangeAspect="1"/>
           </p:cNvPicPr>
           <p:nvPr/>
         </p:nvPicPr>
         <p:blipFill>
-          <a:blip r:embed="rId1">
+          <a:blip r:embed="rId2">
             <a:extLst>
               <a:ext uri="{28A0092B-C50C-407E-A947-70E740481C1C}">
                 <a14:useLocalDpi xmlns:a14="http://schemas.microsoft.com/office/drawing/2010/main" val="0"/>
@@ -3349,6 +3812,11 @@
         </p:spPr>
       </p:pic>
     </p:spTree>
+    <p:extLst>
+      <p:ext uri="{BB962C8B-B14F-4D97-AF65-F5344CB8AC3E}">
+        <p14:creationId xmlns:p14="http://schemas.microsoft.com/office/powerpoint/2010/main" val="2310239904"/>
+      </p:ext>
+    </p:extLst>
   </p:cSld>
   <p:clrMapOvr>
     <a:masterClrMapping/>
@@ -3375,7 +3843,13 @@
       </p:grpSpPr>
       <p:sp>
         <p:nvSpPr>
-          <p:cNvPr id="2" name="Title 1"/>
+          <p:cNvPr id="2" name="Title 1">
+            <a:extLst>
+              <a:ext uri="{FF2B5EF4-FFF2-40B4-BE49-F238E27FC236}">
+                <a16:creationId xmlns:a16="http://schemas.microsoft.com/office/drawing/2014/main" id="{2B57EFB7-AD2C-E645-BF45-1F8A467C6686}"/>
+              </a:ext>
+            </a:extLst>
+          </p:cNvPr>
           <p:cNvSpPr>
             <a:spLocks noGrp="1"/>
           </p:cNvSpPr>
@@ -3398,7 +3872,13 @@
       </p:sp>
       <p:sp>
         <p:nvSpPr>
-          <p:cNvPr id="3" name="Content Placeholder 2"/>
+          <p:cNvPr id="3" name="Content Placeholder 2">
+            <a:extLst>
+              <a:ext uri="{FF2B5EF4-FFF2-40B4-BE49-F238E27FC236}">
+                <a16:creationId xmlns:a16="http://schemas.microsoft.com/office/drawing/2014/main" id="{0F6C551B-0F16-C144-A440-7E88D59BA460}"/>
+              </a:ext>
+            </a:extLst>
+          </p:cNvPr>
           <p:cNvSpPr>
             <a:spLocks noGrp="1"/>
           </p:cNvSpPr>
@@ -3420,21 +3900,18 @@
               <a:rPr lang="en-IN"/>
               <a:t>User adoption in Salesforce refers to the extent to which employees effectively use Salesforce within an organization. </a:t>
             </a:r>
-            <a:endParaRPr lang="en-IN"/>
           </a:p>
           <a:p>
             <a:r>
               <a:rPr lang="en-IN"/>
               <a:t>It’s crucial for maximizing the benefits of the platform. </a:t>
             </a:r>
-            <a:endParaRPr lang="en-IN"/>
           </a:p>
           <a:p>
             <a:r>
               <a:rPr lang="en-IN"/>
               <a:t>Successful adoption involves comprehensive training, intuitive design, clear communication of its benefits, and addressing user concerns.</a:t>
             </a:r>
-            <a:endParaRPr lang="en-IN"/>
           </a:p>
           <a:p>
             <a:r>
@@ -3446,6 +3923,11 @@
         </p:txBody>
       </p:sp>
     </p:spTree>
+    <p:extLst>
+      <p:ext uri="{BB962C8B-B14F-4D97-AF65-F5344CB8AC3E}">
+        <p14:creationId xmlns:p14="http://schemas.microsoft.com/office/powerpoint/2010/main" val="776089156"/>
+      </p:ext>
+    </p:extLst>
   </p:cSld>
   <p:clrMapOvr>
     <a:masterClrMapping/>
@@ -3472,7 +3954,13 @@
       </p:grpSpPr>
       <p:sp>
         <p:nvSpPr>
-          <p:cNvPr id="2" name="Title 1"/>
+          <p:cNvPr id="2" name="Title 1">
+            <a:extLst>
+              <a:ext uri="{FF2B5EF4-FFF2-40B4-BE49-F238E27FC236}">
+                <a16:creationId xmlns:a16="http://schemas.microsoft.com/office/drawing/2014/main" id="{D19F9A45-8338-1B4C-BC3A-E681DD684385}"/>
+              </a:ext>
+            </a:extLst>
+          </p:cNvPr>
           <p:cNvSpPr>
             <a:spLocks noGrp="1"/>
           </p:cNvSpPr>
@@ -3500,7 +3988,13 @@
       </p:sp>
       <p:sp>
         <p:nvSpPr>
-          <p:cNvPr id="3" name="Content Placeholder 2"/>
+          <p:cNvPr id="3" name="Content Placeholder 2">
+            <a:extLst>
+              <a:ext uri="{FF2B5EF4-FFF2-40B4-BE49-F238E27FC236}">
+                <a16:creationId xmlns:a16="http://schemas.microsoft.com/office/drawing/2014/main" id="{0F38F777-1160-F645-9033-0BAE7FE97478}"/>
+              </a:ext>
+            </a:extLst>
+          </p:cNvPr>
           <p:cNvSpPr>
             <a:spLocks noGrp="1"/>
           </p:cNvSpPr>
@@ -3525,7 +4019,6 @@
               <a:t>OWD refers to the baseline level of access that all users in an organization have to records, regardless of the ownership or sharing settings. OWD settings determine the default level of access for objects in Salesforce, such as Accounts, Contacts, Opportunities, etc.
 There are three main OWD options:</a:t>
             </a:r>
-            <a:endParaRPr lang="en-IN" sz="2400"/>
           </a:p>
           <a:p>
             <a:pPr marL="0" indent="0">
@@ -3542,6 +4035,11 @@
         </p:txBody>
       </p:sp>
     </p:spTree>
+    <p:extLst>
+      <p:ext uri="{BB962C8B-B14F-4D97-AF65-F5344CB8AC3E}">
+        <p14:creationId xmlns:p14="http://schemas.microsoft.com/office/powerpoint/2010/main" val="2990448159"/>
+      </p:ext>
+    </p:extLst>
   </p:cSld>
   <p:clrMapOvr>
     <a:masterClrMapping/>
@@ -3568,7 +4066,13 @@
       </p:grpSpPr>
       <p:sp>
         <p:nvSpPr>
-          <p:cNvPr id="2" name="Title 1"/>
+          <p:cNvPr id="2" name="Title 1">
+            <a:extLst>
+              <a:ext uri="{FF2B5EF4-FFF2-40B4-BE49-F238E27FC236}">
+                <a16:creationId xmlns:a16="http://schemas.microsoft.com/office/drawing/2014/main" id="{64FB2319-3D9A-7342-92B0-D218FE7832DB}"/>
+              </a:ext>
+            </a:extLst>
+          </p:cNvPr>
           <p:cNvSpPr>
             <a:spLocks noGrp="1"/>
           </p:cNvSpPr>
@@ -3591,7 +4095,13 @@
       </p:sp>
       <p:sp>
         <p:nvSpPr>
-          <p:cNvPr id="3" name="Content Placeholder 2"/>
+          <p:cNvPr id="3" name="Content Placeholder 2">
+            <a:extLst>
+              <a:ext uri="{FF2B5EF4-FFF2-40B4-BE49-F238E27FC236}">
+                <a16:creationId xmlns:a16="http://schemas.microsoft.com/office/drawing/2014/main" id="{0FCB40D2-F35D-2345-9699-45F619C62861}"/>
+              </a:ext>
+            </a:extLst>
+          </p:cNvPr>
           <p:cNvSpPr>
             <a:spLocks noGrp="1"/>
           </p:cNvSpPr>
@@ -3615,7 +4125,6 @@
               <a:rPr lang="en-IN"/>
               <a:t>Salesforce reports analyze data with customizable formats, filters, and charts. </a:t>
             </a:r>
-            <a:endParaRPr lang="en-IN"/>
           </a:p>
           <a:p>
             <a:r>
@@ -3628,14 +4137,20 @@
       </p:sp>
       <p:pic>
         <p:nvPicPr>
-          <p:cNvPr id="4" name="Picture 4"/>
+          <p:cNvPr id="4" name="Picture 4">
+            <a:extLst>
+              <a:ext uri="{FF2B5EF4-FFF2-40B4-BE49-F238E27FC236}">
+                <a16:creationId xmlns:a16="http://schemas.microsoft.com/office/drawing/2014/main" id="{FB09BB89-13C8-DA42-AE22-EFB1EDC0DA51}"/>
+              </a:ext>
+            </a:extLst>
+          </p:cNvPr>
           <p:cNvPicPr>
             <a:picLocks noChangeAspect="1"/>
           </p:cNvPicPr>
           <p:nvPr/>
         </p:nvPicPr>
         <p:blipFill>
-          <a:blip r:embed="rId1">
+          <a:blip r:embed="rId2">
             <a:extLst>
               <a:ext uri="{28A0092B-C50C-407E-A947-70E740481C1C}">
                 <a14:useLocalDpi xmlns:a14="http://schemas.microsoft.com/office/drawing/2010/main" val="0"/>
@@ -3657,6 +4172,11 @@
         </p:spPr>
       </p:pic>
     </p:spTree>
+    <p:extLst>
+      <p:ext uri="{BB962C8B-B14F-4D97-AF65-F5344CB8AC3E}">
+        <p14:creationId xmlns:p14="http://schemas.microsoft.com/office/powerpoint/2010/main" val="1236943247"/>
+      </p:ext>
+    </p:extLst>
   </p:cSld>
   <p:clrMapOvr>
     <a:masterClrMapping/>
@@ -3683,7 +4203,13 @@
       </p:grpSpPr>
       <p:sp>
         <p:nvSpPr>
-          <p:cNvPr id="2" name="Title 1"/>
+          <p:cNvPr id="2" name="Title 1">
+            <a:extLst>
+              <a:ext uri="{FF2B5EF4-FFF2-40B4-BE49-F238E27FC236}">
+                <a16:creationId xmlns:a16="http://schemas.microsoft.com/office/drawing/2014/main" id="{0460C522-6C50-8245-946B-2559B7CA037C}"/>
+              </a:ext>
+            </a:extLst>
+          </p:cNvPr>
           <p:cNvSpPr>
             <a:spLocks noGrp="1"/>
           </p:cNvSpPr>
@@ -3706,7 +4232,13 @@
       </p:sp>
       <p:sp>
         <p:nvSpPr>
-          <p:cNvPr id="3" name="Content Placeholder 2"/>
+          <p:cNvPr id="3" name="Content Placeholder 2">
+            <a:extLst>
+              <a:ext uri="{FF2B5EF4-FFF2-40B4-BE49-F238E27FC236}">
+                <a16:creationId xmlns:a16="http://schemas.microsoft.com/office/drawing/2014/main" id="{209EA81F-8BC4-304C-9E87-6DE9C302F2EE}"/>
+              </a:ext>
+            </a:extLst>
+          </p:cNvPr>
           <p:cNvSpPr>
             <a:spLocks noGrp="1"/>
           </p:cNvSpPr>
@@ -3729,14 +4261,20 @@
       </p:sp>
       <p:pic>
         <p:nvPicPr>
-          <p:cNvPr id="4" name="Picture 4"/>
+          <p:cNvPr id="4" name="Picture 4">
+            <a:extLst>
+              <a:ext uri="{FF2B5EF4-FFF2-40B4-BE49-F238E27FC236}">
+                <a16:creationId xmlns:a16="http://schemas.microsoft.com/office/drawing/2014/main" id="{207B1ED9-527E-0941-AB43-92B172586E73}"/>
+              </a:ext>
+            </a:extLst>
+          </p:cNvPr>
           <p:cNvPicPr>
             <a:picLocks noChangeAspect="1"/>
           </p:cNvPicPr>
           <p:nvPr/>
         </p:nvPicPr>
         <p:blipFill>
-          <a:blip r:embed="rId1">
+          <a:blip r:embed="rId2">
             <a:extLst>
               <a:ext uri="{28A0092B-C50C-407E-A947-70E740481C1C}">
                 <a14:useLocalDpi xmlns:a14="http://schemas.microsoft.com/office/drawing/2010/main" val="0"/>
@@ -3759,14 +4297,20 @@
       </p:pic>
       <p:pic>
         <p:nvPicPr>
-          <p:cNvPr id="5" name="Picture 5"/>
+          <p:cNvPr id="5" name="Picture 5">
+            <a:extLst>
+              <a:ext uri="{FF2B5EF4-FFF2-40B4-BE49-F238E27FC236}">
+                <a16:creationId xmlns:a16="http://schemas.microsoft.com/office/drawing/2014/main" id="{B0FC5196-583D-CF4C-8267-9DC235FDE860}"/>
+              </a:ext>
+            </a:extLst>
+          </p:cNvPr>
           <p:cNvPicPr>
             <a:picLocks noChangeAspect="1"/>
           </p:cNvPicPr>
           <p:nvPr/>
         </p:nvPicPr>
         <p:blipFill>
-          <a:blip r:embed="rId2">
+          <a:blip r:embed="rId3">
             <a:extLst>
               <a:ext uri="{28A0092B-C50C-407E-A947-70E740481C1C}">
                 <a14:useLocalDpi xmlns:a14="http://schemas.microsoft.com/office/drawing/2010/main" val="0"/>
@@ -3788,6 +4332,11 @@
         </p:spPr>
       </p:pic>
     </p:spTree>
+    <p:extLst>
+      <p:ext uri="{BB962C8B-B14F-4D97-AF65-F5344CB8AC3E}">
+        <p14:creationId xmlns:p14="http://schemas.microsoft.com/office/powerpoint/2010/main" val="3610145904"/>
+      </p:ext>
+    </p:extLst>
   </p:cSld>
   <p:clrMapOvr>
     <a:masterClrMapping/>
@@ -3814,7 +4363,13 @@
       </p:grpSpPr>
       <p:sp>
         <p:nvSpPr>
-          <p:cNvPr id="2" name="Title 1"/>
+          <p:cNvPr id="2" name="Title 1">
+            <a:extLst>
+              <a:ext uri="{FF2B5EF4-FFF2-40B4-BE49-F238E27FC236}">
+                <a16:creationId xmlns:a16="http://schemas.microsoft.com/office/drawing/2014/main" id="{D45BDA8A-9C11-694B-AB0E-EAAD85DB20F9}"/>
+              </a:ext>
+            </a:extLst>
+          </p:cNvPr>
           <p:cNvSpPr>
             <a:spLocks noGrp="1"/>
           </p:cNvSpPr>
@@ -3842,14 +4397,20 @@
       </p:sp>
       <p:pic>
         <p:nvPicPr>
-          <p:cNvPr id="4" name="Picture 4"/>
+          <p:cNvPr id="4" name="Picture 4">
+            <a:extLst>
+              <a:ext uri="{FF2B5EF4-FFF2-40B4-BE49-F238E27FC236}">
+                <a16:creationId xmlns:a16="http://schemas.microsoft.com/office/drawing/2014/main" id="{71691E87-FFC6-F146-9244-4CF3F0C4C2B6}"/>
+              </a:ext>
+            </a:extLst>
+          </p:cNvPr>
           <p:cNvPicPr>
             <a:picLocks noChangeAspect="1"/>
           </p:cNvPicPr>
           <p:nvPr/>
         </p:nvPicPr>
         <p:blipFill>
-          <a:blip r:embed="rId1">
+          <a:blip r:embed="rId2">
             <a:extLst>
               <a:ext uri="{28A0092B-C50C-407E-A947-70E740481C1C}">
                 <a14:useLocalDpi xmlns:a14="http://schemas.microsoft.com/office/drawing/2010/main" val="0"/>
@@ -3871,6 +4432,11 @@
         </p:spPr>
       </p:pic>
     </p:spTree>
+    <p:extLst>
+      <p:ext uri="{BB962C8B-B14F-4D97-AF65-F5344CB8AC3E}">
+        <p14:creationId xmlns:p14="http://schemas.microsoft.com/office/powerpoint/2010/main" val="1899585893"/>
+      </p:ext>
+    </p:extLst>
   </p:cSld>
   <p:clrMapOvr>
     <a:masterClrMapping/>
@@ -3897,7 +4463,13 @@
       </p:grpSpPr>
       <p:sp>
         <p:nvSpPr>
-          <p:cNvPr id="2" name="Title 1"/>
+          <p:cNvPr id="2" name="Title 1">
+            <a:extLst>
+              <a:ext uri="{FF2B5EF4-FFF2-40B4-BE49-F238E27FC236}">
+                <a16:creationId xmlns:a16="http://schemas.microsoft.com/office/drawing/2014/main" id="{C9EA3B90-8A22-2C45-90A6-03DBF1C104FF}"/>
+              </a:ext>
+            </a:extLst>
+          </p:cNvPr>
           <p:cNvSpPr>
             <a:spLocks noGrp="1"/>
           </p:cNvSpPr>
@@ -3926,6 +4498,11 @@
         </p:txBody>
       </p:sp>
     </p:spTree>
+    <p:extLst>
+      <p:ext uri="{BB962C8B-B14F-4D97-AF65-F5344CB8AC3E}">
+        <p14:creationId xmlns:p14="http://schemas.microsoft.com/office/powerpoint/2010/main" val="3732547600"/>
+      </p:ext>
+    </p:extLst>
   </p:cSld>
   <p:clrMapOvr>
     <a:masterClrMapping/>
@@ -3952,7 +4529,13 @@
       </p:grpSpPr>
       <p:sp>
         <p:nvSpPr>
-          <p:cNvPr id="2" name="Title 1"/>
+          <p:cNvPr id="2" name="Title 1">
+            <a:extLst>
+              <a:ext uri="{FF2B5EF4-FFF2-40B4-BE49-F238E27FC236}">
+                <a16:creationId xmlns:a16="http://schemas.microsoft.com/office/drawing/2014/main" id="{992B774B-05D9-914F-B09F-195943D72736}"/>
+              </a:ext>
+            </a:extLst>
+          </p:cNvPr>
           <p:cNvSpPr>
             <a:spLocks noGrp="1"/>
           </p:cNvSpPr>
@@ -3975,7 +4558,13 @@
       </p:sp>
       <p:sp>
         <p:nvSpPr>
-          <p:cNvPr id="3" name="Content Placeholder 2"/>
+          <p:cNvPr id="3" name="Content Placeholder 2">
+            <a:extLst>
+              <a:ext uri="{FF2B5EF4-FFF2-40B4-BE49-F238E27FC236}">
+                <a16:creationId xmlns:a16="http://schemas.microsoft.com/office/drawing/2014/main" id="{12553BD6-939D-ED47-BBDE-45FF2F7A0F7F}"/>
+              </a:ext>
+            </a:extLst>
+          </p:cNvPr>
           <p:cNvSpPr>
             <a:spLocks noGrp="1"/>
           </p:cNvSpPr>
@@ -3992,7 +4581,6 @@
               <a:rPr lang="en-IN"/>
               <a:t>Salesforce is a popular cloud-based customer relationship management (CRM) platform that helps businesses manage their relationships and interactions with customers and potential customers. It offers a wide range of tools and features for sales, marketing, customer service, and more.</a:t>
             </a:r>
-            <a:endParaRPr lang="en-IN"/>
           </a:p>
           <a:p>
             <a:r>
@@ -4004,6 +4592,11 @@
         </p:txBody>
       </p:sp>
     </p:spTree>
+    <p:extLst>
+      <p:ext uri="{BB962C8B-B14F-4D97-AF65-F5344CB8AC3E}">
+        <p14:creationId xmlns:p14="http://schemas.microsoft.com/office/powerpoint/2010/main" val="2258899980"/>
+      </p:ext>
+    </p:extLst>
   </p:cSld>
   <p:clrMapOvr>
     <a:masterClrMapping/>
@@ -4030,7 +4623,13 @@
       </p:grpSpPr>
       <p:sp>
         <p:nvSpPr>
-          <p:cNvPr id="2" name="Title 1"/>
+          <p:cNvPr id="2" name="Title 1">
+            <a:extLst>
+              <a:ext uri="{FF2B5EF4-FFF2-40B4-BE49-F238E27FC236}">
+                <a16:creationId xmlns:a16="http://schemas.microsoft.com/office/drawing/2014/main" id="{AC3677D2-5308-AB4A-B98B-F0C22AC4B3C7}"/>
+              </a:ext>
+            </a:extLst>
+          </p:cNvPr>
           <p:cNvSpPr>
             <a:spLocks noGrp="1"/>
           </p:cNvSpPr>
@@ -4053,7 +4652,13 @@
       </p:sp>
       <p:sp>
         <p:nvSpPr>
-          <p:cNvPr id="3" name="Content Placeholder 2"/>
+          <p:cNvPr id="3" name="Content Placeholder 2">
+            <a:extLst>
+              <a:ext uri="{FF2B5EF4-FFF2-40B4-BE49-F238E27FC236}">
+                <a16:creationId xmlns:a16="http://schemas.microsoft.com/office/drawing/2014/main" id="{1DF679BF-6253-EE4E-ACBF-8D16718F9530}"/>
+              </a:ext>
+            </a:extLst>
+          </p:cNvPr>
           <p:cNvSpPr>
             <a:spLocks noGrp="1"/>
           </p:cNvSpPr>
@@ -4075,21 +4680,18 @@
               <a:rPr lang="en-IN"/>
               <a:t>Enjoy the ultimate pizza experience with our Pizza Delivery App powered by Salesforce CRM.</a:t>
             </a:r>
-            <a:endParaRPr lang="en-IN"/>
           </a:p>
           <a:p>
             <a:r>
               <a:rPr lang="en-IN"/>
               <a:t>Order your favorite pizzas with a few taps, track your delivery in real-time, and receive personalized promotions. </a:t>
             </a:r>
-            <a:endParaRPr lang="en-IN"/>
           </a:p>
           <a:p>
             <a:r>
               <a:rPr lang="en-IN"/>
               <a:t>Our app seamlessly integrates order management, ensuring hot, delicious pizzas are delivered to your doorstep. Easy, efficient, and delicious!</a:t>
             </a:r>
-            <a:endParaRPr lang="en-IN"/>
           </a:p>
           <a:p>
             <a:r>
@@ -4104,11 +4706,15 @@
               <a:rPr lang="en-US"/>
               <a:t> to successfully complete the pizza delivery app.</a:t>
             </a:r>
-            <a:endParaRPr lang="en-US"/>
           </a:p>
         </p:txBody>
       </p:sp>
     </p:spTree>
+    <p:extLst>
+      <p:ext uri="{BB962C8B-B14F-4D97-AF65-F5344CB8AC3E}">
+        <p14:creationId xmlns:p14="http://schemas.microsoft.com/office/powerpoint/2010/main" val="3467638073"/>
+      </p:ext>
+    </p:extLst>
   </p:cSld>
   <p:clrMapOvr>
     <a:masterClrMapping/>
@@ -4135,7 +4741,13 @@
       </p:grpSpPr>
       <p:sp>
         <p:nvSpPr>
-          <p:cNvPr id="2" name="Title 1"/>
+          <p:cNvPr id="2" name="Title 1">
+            <a:extLst>
+              <a:ext uri="{FF2B5EF4-FFF2-40B4-BE49-F238E27FC236}">
+                <a16:creationId xmlns:a16="http://schemas.microsoft.com/office/drawing/2014/main" id="{AFC10104-3F01-094D-95DB-F98399ADEA57}"/>
+              </a:ext>
+            </a:extLst>
+          </p:cNvPr>
           <p:cNvSpPr>
             <a:spLocks noGrp="1"/>
           </p:cNvSpPr>
@@ -4158,7 +4770,13 @@
       </p:sp>
       <p:sp>
         <p:nvSpPr>
-          <p:cNvPr id="3" name="Content Placeholder 2"/>
+          <p:cNvPr id="3" name="Content Placeholder 2">
+            <a:extLst>
+              <a:ext uri="{FF2B5EF4-FFF2-40B4-BE49-F238E27FC236}">
+                <a16:creationId xmlns:a16="http://schemas.microsoft.com/office/drawing/2014/main" id="{F3F2F3AC-D807-6848-8AB2-A04B550DEC22}"/>
+              </a:ext>
+            </a:extLst>
+          </p:cNvPr>
           <p:cNvSpPr>
             <a:spLocks noGrp="1"/>
           </p:cNvSpPr>
@@ -4175,7 +4793,6 @@
               <a:rPr lang="en-IN"/>
               <a:t>A Developer org has all the features and licenses you need to get started with Salesforce.1.Search developer.salesforce.com/signup</a:t>
             </a:r>
-            <a:endParaRPr lang="en-IN"/>
           </a:p>
           <a:p>
             <a:endParaRPr lang="en-US"/>
@@ -4184,14 +4801,20 @@
       </p:sp>
       <p:pic>
         <p:nvPicPr>
-          <p:cNvPr id="4" name="Picture 4"/>
+          <p:cNvPr id="4" name="Picture 4">
+            <a:extLst>
+              <a:ext uri="{FF2B5EF4-FFF2-40B4-BE49-F238E27FC236}">
+                <a16:creationId xmlns:a16="http://schemas.microsoft.com/office/drawing/2014/main" id="{40C8DD57-0B4C-9E42-96E3-94DEC365350E}"/>
+              </a:ext>
+            </a:extLst>
+          </p:cNvPr>
           <p:cNvPicPr>
             <a:picLocks noChangeAspect="1"/>
           </p:cNvPicPr>
           <p:nvPr/>
         </p:nvPicPr>
         <p:blipFill>
-          <a:blip r:embed="rId1">
+          <a:blip r:embed="rId2">
             <a:extLst>
               <a:ext uri="{28A0092B-C50C-407E-A947-70E740481C1C}">
                 <a14:useLocalDpi xmlns:a14="http://schemas.microsoft.com/office/drawing/2010/main" val="0"/>
@@ -4214,14 +4837,20 @@
       </p:pic>
       <p:pic>
         <p:nvPicPr>
-          <p:cNvPr id="5" name="Picture 5"/>
+          <p:cNvPr id="5" name="Picture 5">
+            <a:extLst>
+              <a:ext uri="{FF2B5EF4-FFF2-40B4-BE49-F238E27FC236}">
+                <a16:creationId xmlns:a16="http://schemas.microsoft.com/office/drawing/2014/main" id="{8F08E530-4109-9F4D-80C8-EE4E4FBBC0DC}"/>
+              </a:ext>
+            </a:extLst>
+          </p:cNvPr>
           <p:cNvPicPr>
             <a:picLocks noChangeAspect="1"/>
           </p:cNvPicPr>
           <p:nvPr/>
         </p:nvPicPr>
         <p:blipFill>
-          <a:blip r:embed="rId2">
+          <a:blip r:embed="rId3">
             <a:extLst>
               <a:ext uri="{28A0092B-C50C-407E-A947-70E740481C1C}">
                 <a14:useLocalDpi xmlns:a14="http://schemas.microsoft.com/office/drawing/2010/main" val="0"/>
@@ -4243,6 +4872,11 @@
         </p:spPr>
       </p:pic>
     </p:spTree>
+    <p:extLst>
+      <p:ext uri="{BB962C8B-B14F-4D97-AF65-F5344CB8AC3E}">
+        <p14:creationId xmlns:p14="http://schemas.microsoft.com/office/powerpoint/2010/main" val="261821845"/>
+      </p:ext>
+    </p:extLst>
   </p:cSld>
   <p:clrMapOvr>
     <a:masterClrMapping/>
@@ -4269,7 +4903,13 @@
       </p:grpSpPr>
       <p:sp>
         <p:nvSpPr>
-          <p:cNvPr id="2" name="Title 1"/>
+          <p:cNvPr id="2" name="Title 1">
+            <a:extLst>
+              <a:ext uri="{FF2B5EF4-FFF2-40B4-BE49-F238E27FC236}">
+                <a16:creationId xmlns:a16="http://schemas.microsoft.com/office/drawing/2014/main" id="{98DC3B3A-7BBE-CA49-8F61-B6CA09F3E7BF}"/>
+              </a:ext>
+            </a:extLst>
+          </p:cNvPr>
           <p:cNvSpPr>
             <a:spLocks noGrp="1"/>
           </p:cNvSpPr>
@@ -4292,7 +4932,13 @@
       </p:sp>
       <p:sp>
         <p:nvSpPr>
-          <p:cNvPr id="4" name="TextBox 3"/>
+          <p:cNvPr id="4" name="TextBox 3">
+            <a:extLst>
+              <a:ext uri="{FF2B5EF4-FFF2-40B4-BE49-F238E27FC236}">
+                <a16:creationId xmlns:a16="http://schemas.microsoft.com/office/drawing/2014/main" id="{03E15682-60A9-7842-A79B-4AD9C33B45F2}"/>
+              </a:ext>
+            </a:extLst>
+          </p:cNvPr>
           <p:cNvSpPr txBox="1"/>
           <p:nvPr/>
         </p:nvSpPr>
@@ -4327,7 +4973,13 @@
       </p:sp>
       <p:sp>
         <p:nvSpPr>
-          <p:cNvPr id="6" name="TextBox 5"/>
+          <p:cNvPr id="6" name="TextBox 5">
+            <a:extLst>
+              <a:ext uri="{FF2B5EF4-FFF2-40B4-BE49-F238E27FC236}">
+                <a16:creationId xmlns:a16="http://schemas.microsoft.com/office/drawing/2014/main" id="{978DACB9-8462-6343-BB43-B516D683D4DD}"/>
+              </a:ext>
+            </a:extLst>
+          </p:cNvPr>
           <p:cNvSpPr txBox="1"/>
           <p:nvPr/>
         </p:nvSpPr>
@@ -4351,13 +5003,18 @@
               <a:rPr lang="en-US" sz="2400"/>
               <a:t>In Salesforce, an object is a data structure representing a table storing specific information, comprising fields and records, crucial for efficient data management and organization.</a:t>
             </a:r>
-            <a:endParaRPr lang="en-US" sz="2400"/>
-          </a:p>
-        </p:txBody>
-      </p:sp>
-      <p:sp>
-        <p:nvSpPr>
-          <p:cNvPr id="8" name="TextBox 7"/>
+          </a:p>
+        </p:txBody>
+      </p:sp>
+      <p:sp>
+        <p:nvSpPr>
+          <p:cNvPr id="8" name="TextBox 7">
+            <a:extLst>
+              <a:ext uri="{FF2B5EF4-FFF2-40B4-BE49-F238E27FC236}">
+                <a16:creationId xmlns:a16="http://schemas.microsoft.com/office/drawing/2014/main" id="{CCDD4A9F-1710-DC4C-9E98-AAC12B874667}"/>
+              </a:ext>
+            </a:extLst>
+          </p:cNvPr>
           <p:cNvSpPr txBox="1"/>
           <p:nvPr/>
         </p:nvSpPr>
@@ -4388,7 +5045,13 @@
       </p:sp>
       <p:sp>
         <p:nvSpPr>
-          <p:cNvPr id="11" name="TextBox 10"/>
+          <p:cNvPr id="11" name="TextBox 10">
+            <a:extLst>
+              <a:ext uri="{FF2B5EF4-FFF2-40B4-BE49-F238E27FC236}">
+                <a16:creationId xmlns:a16="http://schemas.microsoft.com/office/drawing/2014/main" id="{41671E22-1F7B-EF41-A543-FE2F93FDB46F}"/>
+              </a:ext>
+            </a:extLst>
+          </p:cNvPr>
           <p:cNvSpPr txBox="1"/>
           <p:nvPr/>
         </p:nvSpPr>
@@ -4434,11 +5097,15 @@
               <a:rPr lang="en-US" sz="2400"/>
               <a:t>Custom Objects:   - User-defined entities allowing businesses to create tailored data structures, enabling unique data storage and specialized application development.</a:t>
             </a:r>
-            <a:endParaRPr lang="en-US" sz="2400"/>
           </a:p>
         </p:txBody>
       </p:sp>
     </p:spTree>
+    <p:extLst>
+      <p:ext uri="{BB962C8B-B14F-4D97-AF65-F5344CB8AC3E}">
+        <p14:creationId xmlns:p14="http://schemas.microsoft.com/office/powerpoint/2010/main" val="3801880127"/>
+      </p:ext>
+    </p:extLst>
   </p:cSld>
   <p:clrMapOvr>
     <a:masterClrMapping/>
@@ -4465,7 +5132,13 @@
       </p:grpSpPr>
       <p:sp>
         <p:nvSpPr>
-          <p:cNvPr id="2" name="Title 1"/>
+          <p:cNvPr id="2" name="Title 1">
+            <a:extLst>
+              <a:ext uri="{FF2B5EF4-FFF2-40B4-BE49-F238E27FC236}">
+                <a16:creationId xmlns:a16="http://schemas.microsoft.com/office/drawing/2014/main" id="{564C8306-B0A6-F043-815B-1C7D934A8FED}"/>
+              </a:ext>
+            </a:extLst>
+          </p:cNvPr>
           <p:cNvSpPr>
             <a:spLocks noGrp="1"/>
           </p:cNvSpPr>
@@ -4493,7 +5166,13 @@
       </p:sp>
       <p:sp>
         <p:nvSpPr>
-          <p:cNvPr id="3" name="Content Placeholder 2"/>
+          <p:cNvPr id="3" name="Content Placeholder 2">
+            <a:extLst>
+              <a:ext uri="{FF2B5EF4-FFF2-40B4-BE49-F238E27FC236}">
+                <a16:creationId xmlns:a16="http://schemas.microsoft.com/office/drawing/2014/main" id="{77179C1D-54E1-0549-A63B-FD485A321745}"/>
+              </a:ext>
+            </a:extLst>
+          </p:cNvPr>
           <p:cNvSpPr>
             <a:spLocks noGrp="1"/>
           </p:cNvSpPr>
@@ -4515,56 +5194,48 @@
               <a:rPr lang="en-IN"/>
               <a:t>EveryDay Values</a:t>
             </a:r>
-            <a:endParaRPr lang="en-IN"/>
           </a:p>
           <a:p>
             <a:r>
               <a:rPr lang="en-IN"/>
               <a:t>Beverages</a:t>
             </a:r>
-            <a:endParaRPr lang="en-IN"/>
           </a:p>
           <a:p>
             <a:r>
               <a:rPr lang="en-IN"/>
               <a:t>Customer Details</a:t>
             </a:r>
-            <a:endParaRPr lang="en-IN"/>
           </a:p>
           <a:p>
             <a:r>
               <a:rPr lang="en-IN"/>
               <a:t>Best sellers</a:t>
             </a:r>
-            <a:endParaRPr lang="en-IN"/>
           </a:p>
           <a:p>
             <a:r>
               <a:rPr lang="en-IN"/>
               <a:t>New launches</a:t>
             </a:r>
-            <a:endParaRPr lang="en-IN"/>
           </a:p>
           <a:p>
             <a:r>
               <a:rPr lang="en-IN"/>
               <a:t>Pizzas</a:t>
             </a:r>
-            <a:endParaRPr lang="en-IN"/>
           </a:p>
           <a:p>
             <a:r>
               <a:rPr lang="en-IN"/>
               <a:t>Mode of payments</a:t>
             </a:r>
-            <a:endParaRPr lang="en-IN"/>
           </a:p>
           <a:p>
             <a:r>
               <a:rPr lang="en-IN"/>
               <a:t>Reports</a:t>
             </a:r>
-            <a:endParaRPr lang="en-IN"/>
           </a:p>
           <a:p>
             <a:endParaRPr lang="en-IN"/>
@@ -4591,14 +5262,20 @@
       </p:sp>
       <p:pic>
         <p:nvPicPr>
-          <p:cNvPr id="4" name="Picture 4"/>
+          <p:cNvPr id="4" name="Picture 4">
+            <a:extLst>
+              <a:ext uri="{FF2B5EF4-FFF2-40B4-BE49-F238E27FC236}">
+                <a16:creationId xmlns:a16="http://schemas.microsoft.com/office/drawing/2014/main" id="{743588F7-80CE-8643-988F-C159D8FA5094}"/>
+              </a:ext>
+            </a:extLst>
+          </p:cNvPr>
           <p:cNvPicPr>
             <a:picLocks noChangeAspect="1"/>
           </p:cNvPicPr>
           <p:nvPr/>
         </p:nvPicPr>
         <p:blipFill>
-          <a:blip r:embed="rId1">
+          <a:blip r:embed="rId2">
             <a:extLst>
               <a:ext uri="{28A0092B-C50C-407E-A947-70E740481C1C}">
                 <a14:useLocalDpi xmlns:a14="http://schemas.microsoft.com/office/drawing/2010/main" val="0"/>
@@ -4620,6 +5297,11 @@
         </p:spPr>
       </p:pic>
     </p:spTree>
+    <p:extLst>
+      <p:ext uri="{BB962C8B-B14F-4D97-AF65-F5344CB8AC3E}">
+        <p14:creationId xmlns:p14="http://schemas.microsoft.com/office/powerpoint/2010/main" val="2565105127"/>
+      </p:ext>
+    </p:extLst>
   </p:cSld>
   <p:clrMapOvr>
     <a:masterClrMapping/>
@@ -4646,7 +5328,13 @@
       </p:grpSpPr>
       <p:sp>
         <p:nvSpPr>
-          <p:cNvPr id="2" name="Title 1"/>
+          <p:cNvPr id="2" name="Title 1">
+            <a:extLst>
+              <a:ext uri="{FF2B5EF4-FFF2-40B4-BE49-F238E27FC236}">
+                <a16:creationId xmlns:a16="http://schemas.microsoft.com/office/drawing/2014/main" id="{B58815DD-96FA-5C47-AE1F-DB723B4EDDE3}"/>
+              </a:ext>
+            </a:extLst>
+          </p:cNvPr>
           <p:cNvSpPr>
             <a:spLocks noGrp="1"/>
           </p:cNvSpPr>
@@ -4674,7 +5362,13 @@
       </p:sp>
       <p:sp>
         <p:nvSpPr>
-          <p:cNvPr id="3" name="Content Placeholder 2"/>
+          <p:cNvPr id="3" name="Content Placeholder 2">
+            <a:extLst>
+              <a:ext uri="{FF2B5EF4-FFF2-40B4-BE49-F238E27FC236}">
+                <a16:creationId xmlns:a16="http://schemas.microsoft.com/office/drawing/2014/main" id="{5C224448-D002-C646-A29E-756E34BE81CA}"/>
+              </a:ext>
+            </a:extLst>
+          </p:cNvPr>
           <p:cNvSpPr>
             <a:spLocks noGrp="1"/>
           </p:cNvSpPr>
@@ -4707,14 +5401,20 @@
       </p:sp>
       <p:pic>
         <p:nvPicPr>
-          <p:cNvPr id="4" name="Picture 4"/>
+          <p:cNvPr id="4" name="Picture 4">
+            <a:extLst>
+              <a:ext uri="{FF2B5EF4-FFF2-40B4-BE49-F238E27FC236}">
+                <a16:creationId xmlns:a16="http://schemas.microsoft.com/office/drawing/2014/main" id="{1D19E0E2-AD0C-CA41-92F4-B85E366D23A3}"/>
+              </a:ext>
+            </a:extLst>
+          </p:cNvPr>
           <p:cNvPicPr>
             <a:picLocks noChangeAspect="1"/>
           </p:cNvPicPr>
           <p:nvPr/>
         </p:nvPicPr>
         <p:blipFill>
-          <a:blip r:embed="rId1">
+          <a:blip r:embed="rId2">
             <a:extLst>
               <a:ext uri="{28A0092B-C50C-407E-A947-70E740481C1C}">
                 <a14:useLocalDpi xmlns:a14="http://schemas.microsoft.com/office/drawing/2010/main" val="0"/>
@@ -4736,6 +5436,11 @@
         </p:spPr>
       </p:pic>
     </p:spTree>
+    <p:extLst>
+      <p:ext uri="{BB962C8B-B14F-4D97-AF65-F5344CB8AC3E}">
+        <p14:creationId xmlns:p14="http://schemas.microsoft.com/office/powerpoint/2010/main" val="3713040093"/>
+      </p:ext>
+    </p:extLst>
   </p:cSld>
   <p:clrMapOvr>
     <a:masterClrMapping/>
@@ -4762,7 +5467,13 @@
       </p:grpSpPr>
       <p:sp>
         <p:nvSpPr>
-          <p:cNvPr id="2" name="Title 1"/>
+          <p:cNvPr id="2" name="Title 1">
+            <a:extLst>
+              <a:ext uri="{FF2B5EF4-FFF2-40B4-BE49-F238E27FC236}">
+                <a16:creationId xmlns:a16="http://schemas.microsoft.com/office/drawing/2014/main" id="{3DF54860-0C05-9647-81F5-8DB6D9813B32}"/>
+              </a:ext>
+            </a:extLst>
+          </p:cNvPr>
           <p:cNvSpPr>
             <a:spLocks noGrp="1"/>
           </p:cNvSpPr>
@@ -4790,7 +5501,13 @@
       </p:sp>
       <p:pic>
         <p:nvPicPr>
-          <p:cNvPr id="4" name="Picture 4"/>
+          <p:cNvPr id="4" name="Picture 4">
+            <a:extLst>
+              <a:ext uri="{FF2B5EF4-FFF2-40B4-BE49-F238E27FC236}">
+                <a16:creationId xmlns:a16="http://schemas.microsoft.com/office/drawing/2014/main" id="{8DD11121-3E64-F043-AC0C-299F20203A42}"/>
+              </a:ext>
+            </a:extLst>
+          </p:cNvPr>
           <p:cNvPicPr>
             <a:picLocks noGrp="1" noChangeAspect="1"/>
           </p:cNvPicPr>
@@ -4799,7 +5516,7 @@
           </p:nvPr>
         </p:nvPicPr>
         <p:blipFill>
-          <a:blip r:embed="rId1">
+          <a:blip r:embed="rId2">
             <a:extLst>
               <a:ext uri="{28A0092B-C50C-407E-A947-70E740481C1C}">
                 <a14:useLocalDpi xmlns:a14="http://schemas.microsoft.com/office/drawing/2010/main" val="0"/>
@@ -4819,7 +5536,13 @@
       </p:pic>
       <p:sp>
         <p:nvSpPr>
-          <p:cNvPr id="10" name="TextBox 9"/>
+          <p:cNvPr id="10" name="TextBox 9">
+            <a:extLst>
+              <a:ext uri="{FF2B5EF4-FFF2-40B4-BE49-F238E27FC236}">
+                <a16:creationId xmlns:a16="http://schemas.microsoft.com/office/drawing/2014/main" id="{22058D45-C9C6-1049-BE0D-81D6BBF9A5B3}"/>
+              </a:ext>
+            </a:extLst>
+          </p:cNvPr>
           <p:cNvSpPr txBox="1"/>
           <p:nvPr/>
         </p:nvSpPr>
@@ -4846,7 +5569,13 @@
       </p:sp>
       <p:sp>
         <p:nvSpPr>
-          <p:cNvPr id="12" name="TextBox 11"/>
+          <p:cNvPr id="12" name="TextBox 11">
+            <a:extLst>
+              <a:ext uri="{FF2B5EF4-FFF2-40B4-BE49-F238E27FC236}">
+                <a16:creationId xmlns:a16="http://schemas.microsoft.com/office/drawing/2014/main" id="{D884712F-91FE-6741-A020-73A06041847D}"/>
+              </a:ext>
+            </a:extLst>
+          </p:cNvPr>
           <p:cNvSpPr txBox="1"/>
           <p:nvPr/>
         </p:nvSpPr>
@@ -4874,7 +5603,6 @@
               <a:rPr lang="en-IN" sz="2400"/>
               <a:t>Salesforce offers standard (Sales Cloud), custom, and third-party apps through AppExchange.</a:t>
             </a:r>
-            <a:endParaRPr lang="en-IN" sz="2400"/>
           </a:p>
           <a:p>
             <a:pPr marL="285750" indent="-285750" algn="l">
@@ -4897,6 +5625,11 @@
         </p:txBody>
       </p:sp>
     </p:spTree>
+    <p:extLst>
+      <p:ext uri="{BB962C8B-B14F-4D97-AF65-F5344CB8AC3E}">
+        <p14:creationId xmlns:p14="http://schemas.microsoft.com/office/powerpoint/2010/main" val="832974669"/>
+      </p:ext>
+    </p:extLst>
   </p:cSld>
   <p:clrMapOvr>
     <a:masterClrMapping/>
@@ -4923,7 +5656,13 @@
       </p:grpSpPr>
       <p:sp>
         <p:nvSpPr>
-          <p:cNvPr id="2" name="Title 1"/>
+          <p:cNvPr id="2" name="Title 1">
+            <a:extLst>
+              <a:ext uri="{FF2B5EF4-FFF2-40B4-BE49-F238E27FC236}">
+                <a16:creationId xmlns:a16="http://schemas.microsoft.com/office/drawing/2014/main" id="{D3F27951-366A-524C-8D02-A765DC371B88}"/>
+              </a:ext>
+            </a:extLst>
+          </p:cNvPr>
           <p:cNvSpPr>
             <a:spLocks noGrp="1"/>
           </p:cNvSpPr>
@@ -4946,7 +5685,13 @@
       </p:sp>
       <p:pic>
         <p:nvPicPr>
-          <p:cNvPr id="4" name="Picture 4"/>
+          <p:cNvPr id="4" name="Picture 4">
+            <a:extLst>
+              <a:ext uri="{FF2B5EF4-FFF2-40B4-BE49-F238E27FC236}">
+                <a16:creationId xmlns:a16="http://schemas.microsoft.com/office/drawing/2014/main" id="{7EC8589F-76C7-E14D-869E-C497181ACC8D}"/>
+              </a:ext>
+            </a:extLst>
+          </p:cNvPr>
           <p:cNvPicPr>
             <a:picLocks noGrp="1" noChangeAspect="1"/>
           </p:cNvPicPr>
@@ -4955,7 +5700,7 @@
           </p:nvPr>
         </p:nvPicPr>
         <p:blipFill>
-          <a:blip r:embed="rId1">
+          <a:blip r:embed="rId2">
             <a:extLst>
               <a:ext uri="{28A0092B-C50C-407E-A947-70E740481C1C}">
                 <a14:useLocalDpi xmlns:a14="http://schemas.microsoft.com/office/drawing/2010/main" val="0"/>
@@ -4975,7 +5720,13 @@
       </p:pic>
       <p:sp>
         <p:nvSpPr>
-          <p:cNvPr id="3" name="TextBox 2"/>
+          <p:cNvPr id="3" name="TextBox 2">
+            <a:extLst>
+              <a:ext uri="{FF2B5EF4-FFF2-40B4-BE49-F238E27FC236}">
+                <a16:creationId xmlns:a16="http://schemas.microsoft.com/office/drawing/2014/main" id="{DEAC5A7D-63D9-0F4C-98FA-D1E7BF915C75}"/>
+              </a:ext>
+            </a:extLst>
+          </p:cNvPr>
           <p:cNvSpPr txBox="1"/>
           <p:nvPr/>
         </p:nvSpPr>
@@ -5003,7 +5754,6 @@
               <a:rPr lang="en-IN" sz="2400"/>
               <a:t>Salesforce fields store diverse data types: text, numbers, dates, picklists, checkboxes, formulas, lookups, and more. </a:t>
             </a:r>
-            <a:endParaRPr lang="en-IN" sz="2400"/>
           </a:p>
           <a:p>
             <a:pPr marL="342900" indent="-342900" algn="l">
@@ -5026,6 +5776,11 @@
         </p:txBody>
       </p:sp>
     </p:spTree>
+    <p:extLst>
+      <p:ext uri="{BB962C8B-B14F-4D97-AF65-F5344CB8AC3E}">
+        <p14:creationId xmlns:p14="http://schemas.microsoft.com/office/powerpoint/2010/main" val="1899891429"/>
+      </p:ext>
+    </p:extLst>
   </p:cSld>
   <p:clrMapOvr>
     <a:masterClrMapping/>
@@ -5076,7 +5831,7 @@
     </a:clrScheme>
     <a:fontScheme name="Office">
       <a:majorFont>
-        <a:latin typeface="Calibri Light"/>
+        <a:latin typeface="Calibri Light" panose="020F0302020204030204"/>
         <a:ea typeface=""/>
         <a:cs typeface=""/>
         <a:font script="Jpan" typeface="游ゴシック Light"/>
@@ -5109,9 +5864,26 @@
         <a:font script="Viet" typeface="Times New Roman"/>
         <a:font script="Uigh" typeface="Microsoft Uighur"/>
         <a:font script="Geor" typeface="Sylfaen"/>
+        <a:font script="Armn" typeface="Arial"/>
+        <a:font script="Bugi" typeface="Leelawadee UI"/>
+        <a:font script="Bopo" typeface="Microsoft JhengHei"/>
+        <a:font script="Java" typeface="Javanese Text"/>
+        <a:font script="Lisu" typeface="Segoe UI"/>
+        <a:font script="Mymr" typeface="Myanmar Text"/>
+        <a:font script="Nkoo" typeface="Ebrima"/>
+        <a:font script="Olck" typeface="Nirmala UI"/>
+        <a:font script="Osma" typeface="Ebrima"/>
+        <a:font script="Phag" typeface="Phagspa"/>
+        <a:font script="Syrn" typeface="Estrangelo Edessa"/>
+        <a:font script="Syrj" typeface="Estrangelo Edessa"/>
+        <a:font script="Syre" typeface="Estrangelo Edessa"/>
+        <a:font script="Sora" typeface="Nirmala UI"/>
+        <a:font script="Tale" typeface="Microsoft Tai Le"/>
+        <a:font script="Talu" typeface="Microsoft New Tai Lue"/>
+        <a:font script="Tfng" typeface="Ebrima"/>
       </a:majorFont>
       <a:minorFont>
-        <a:latin typeface="Calibri"/>
+        <a:latin typeface="Calibri" panose="020F0502020204030204"/>
         <a:ea typeface=""/>
         <a:cs typeface=""/>
         <a:font script="Jpan" typeface="游ゴシック"/>
@@ -5144,6 +5916,23 @@
         <a:font script="Viet" typeface="Arial"/>
         <a:font script="Uigh" typeface="Microsoft Uighur"/>
         <a:font script="Geor" typeface="Sylfaen"/>
+        <a:font script="Armn" typeface="Arial"/>
+        <a:font script="Bugi" typeface="Leelawadee UI"/>
+        <a:font script="Bopo" typeface="Microsoft JhengHei"/>
+        <a:font script="Java" typeface="Javanese Text"/>
+        <a:font script="Lisu" typeface="Segoe UI"/>
+        <a:font script="Mymr" typeface="Myanmar Text"/>
+        <a:font script="Nkoo" typeface="Ebrima"/>
+        <a:font script="Olck" typeface="Nirmala UI"/>
+        <a:font script="Osma" typeface="Ebrima"/>
+        <a:font script="Phag" typeface="Phagspa"/>
+        <a:font script="Syrn" typeface="Estrangelo Edessa"/>
+        <a:font script="Syrj" typeface="Estrangelo Edessa"/>
+        <a:font script="Syre" typeface="Estrangelo Edessa"/>
+        <a:font script="Sora" typeface="Nirmala UI"/>
+        <a:font script="Tale" typeface="Microsoft Tai Le"/>
+        <a:font script="Talu" typeface="Microsoft New Tai Lue"/>
+        <a:font script="Tfng" typeface="Ebrima"/>
       </a:minorFont>
     </a:fontScheme>
     <a:fmtScheme name="Office">
@@ -5284,6 +6073,8 @@
       </a:bgFillStyleLst>
     </a:fmtScheme>
   </a:themeElements>
+  <a:objectDefaults/>
+  <a:extraClrSchemeLst/>
   <a:extLst>
     <a:ext uri="{05A4C25C-085E-4340-85A3-A5531E510DB2}">
       <thm15:themeFamily xmlns:thm15="http://schemas.microsoft.com/office/thememl/2012/main" name="Office Theme" id="{62F939B6-93AF-4DB8-9C6B-D6C7DFDC589F}" vid="{4A3C46E8-61CC-4603-A589-7422A47A8E4A}"/>
